--- a/presentation/Helpdesk/Tóth László/toth_laszlo.pptx
+++ b/presentation/Helpdesk/Tóth László/toth_laszlo.pptx
@@ -117,7 +117,7 @@
   </p:defaultTextStyle>
   <p:extLst>
     <p:ext uri="{EFAFB233-063F-42B5-8137-9DF3F51BA10A}">
-      <p15:sldGuideLst xmlns:p15="http://schemas.microsoft.com/office/powerpoint/2012/main" xmlns="">
+      <p15:sldGuideLst xmlns="" xmlns:p15="http://schemas.microsoft.com/office/powerpoint/2012/main">
         <p15:guide id="1" orient="horz" pos="1620">
           <p15:clr>
             <a:srgbClr val="A4A3A4"/>
@@ -131,7 +131,7 @@
       </p15:sldGuideLst>
     </p:ext>
     <p:ext uri="{2D200454-40CA-4A62-9FC3-DE9A4176ACB9}">
-      <p15:notesGuideLst xmlns:p15="http://schemas.microsoft.com/office/powerpoint/2012/main" xmlns="">
+      <p15:notesGuideLst xmlns="" xmlns:p15="http://schemas.microsoft.com/office/powerpoint/2012/main">
         <p15:guide id="1" orient="horz" pos="2880">
           <p15:clr>
             <a:srgbClr val="A4A3A4"/>
@@ -237,7 +237,7 @@
             <a:fld id="{108E5D05-7368-4B91-AD81-999E65E8BFFE}" type="datetimeFigureOut">
               <a:rPr lang="hu-HU" smtClean="0"/>
               <a:pPr/>
-              <a:t>2017. 03. 02.</a:t>
+              <a:t>2017. 03. 05.</a:t>
             </a:fld>
             <a:endParaRPr lang="hu-HU"/>
           </a:p>
@@ -826,7 +826,7 @@
     </p:spTree>
     <p:extLst>
       <p:ext uri="{BB962C8B-B14F-4D97-AF65-F5344CB8AC3E}">
-        <p14:creationId xmlns:p14="http://schemas.microsoft.com/office/powerpoint/2010/main" xmlns="" val="547795840"/>
+        <p14:creationId xmlns="" xmlns:p14="http://schemas.microsoft.com/office/powerpoint/2010/main" val="547795840"/>
       </p:ext>
     </p:extLst>
   </p:cSld>
@@ -1132,7 +1132,7 @@
             <a:fld id="{C6E8B002-83F0-41C5-A7B7-2819A96BD9B2}" type="datetimeFigureOut">
               <a:rPr lang="hu-HU" smtClean="0"/>
               <a:pPr/>
-              <a:t>2017. 03. 02.</a:t>
+              <a:t>2017. 03. 05.</a:t>
             </a:fld>
             <a:endParaRPr lang="hu-HU"/>
           </a:p>
@@ -1184,7 +1184,7 @@
     </p:spTree>
     <p:extLst>
       <p:ext uri="{BB962C8B-B14F-4D97-AF65-F5344CB8AC3E}">
-        <p14:creationId xmlns:p14="http://schemas.microsoft.com/office/powerpoint/2010/main" xmlns="" val="4024426608"/>
+        <p14:creationId xmlns="" xmlns:p14="http://schemas.microsoft.com/office/powerpoint/2010/main" val="4024426608"/>
       </p:ext>
     </p:extLst>
   </p:cSld>
@@ -1304,7 +1304,7 @@
             <a:fld id="{C6E8B002-83F0-41C5-A7B7-2819A96BD9B2}" type="datetimeFigureOut">
               <a:rPr lang="hu-HU" smtClean="0"/>
               <a:pPr/>
-              <a:t>2017. 03. 02.</a:t>
+              <a:t>2017. 03. 05.</a:t>
             </a:fld>
             <a:endParaRPr lang="hu-HU"/>
           </a:p>
@@ -1356,7 +1356,7 @@
     </p:spTree>
     <p:extLst>
       <p:ext uri="{BB962C8B-B14F-4D97-AF65-F5344CB8AC3E}">
-        <p14:creationId xmlns:p14="http://schemas.microsoft.com/office/powerpoint/2010/main" xmlns="" val="2278669477"/>
+        <p14:creationId xmlns="" xmlns:p14="http://schemas.microsoft.com/office/powerpoint/2010/main" val="2278669477"/>
       </p:ext>
     </p:extLst>
   </p:cSld>
@@ -1486,7 +1486,7 @@
             <a:fld id="{C6E8B002-83F0-41C5-A7B7-2819A96BD9B2}" type="datetimeFigureOut">
               <a:rPr lang="hu-HU" smtClean="0"/>
               <a:pPr/>
-              <a:t>2017. 03. 02.</a:t>
+              <a:t>2017. 03. 05.</a:t>
             </a:fld>
             <a:endParaRPr lang="hu-HU"/>
           </a:p>
@@ -1538,7 +1538,7 @@
     </p:spTree>
     <p:extLst>
       <p:ext uri="{BB962C8B-B14F-4D97-AF65-F5344CB8AC3E}">
-        <p14:creationId xmlns:p14="http://schemas.microsoft.com/office/powerpoint/2010/main" xmlns="" val="1230374094"/>
+        <p14:creationId xmlns="" xmlns:p14="http://schemas.microsoft.com/office/powerpoint/2010/main" val="1230374094"/>
       </p:ext>
     </p:extLst>
   </p:cSld>
@@ -1658,7 +1658,7 @@
             <a:fld id="{C6E8B002-83F0-41C5-A7B7-2819A96BD9B2}" type="datetimeFigureOut">
               <a:rPr lang="hu-HU" smtClean="0"/>
               <a:pPr/>
-              <a:t>2017. 03. 02.</a:t>
+              <a:t>2017. 03. 05.</a:t>
             </a:fld>
             <a:endParaRPr lang="hu-HU"/>
           </a:p>
@@ -1710,7 +1710,7 @@
     </p:spTree>
     <p:extLst>
       <p:ext uri="{BB962C8B-B14F-4D97-AF65-F5344CB8AC3E}">
-        <p14:creationId xmlns:p14="http://schemas.microsoft.com/office/powerpoint/2010/main" xmlns="" val="258263725"/>
+        <p14:creationId xmlns="" xmlns:p14="http://schemas.microsoft.com/office/powerpoint/2010/main" val="258263725"/>
       </p:ext>
     </p:extLst>
   </p:cSld>
@@ -1904,7 +1904,7 @@
             <a:fld id="{C6E8B002-83F0-41C5-A7B7-2819A96BD9B2}" type="datetimeFigureOut">
               <a:rPr lang="hu-HU" smtClean="0"/>
               <a:pPr/>
-              <a:t>2017. 03. 02.</a:t>
+              <a:t>2017. 03. 05.</a:t>
             </a:fld>
             <a:endParaRPr lang="hu-HU"/>
           </a:p>
@@ -1956,7 +1956,7 @@
     </p:spTree>
     <p:extLst>
       <p:ext uri="{BB962C8B-B14F-4D97-AF65-F5344CB8AC3E}">
-        <p14:creationId xmlns:p14="http://schemas.microsoft.com/office/powerpoint/2010/main" xmlns="" val="1553284866"/>
+        <p14:creationId xmlns="" xmlns:p14="http://schemas.microsoft.com/office/powerpoint/2010/main" val="1553284866"/>
       </p:ext>
     </p:extLst>
   </p:cSld>
@@ -2138,7 +2138,7 @@
             <a:fld id="{C6E8B002-83F0-41C5-A7B7-2819A96BD9B2}" type="datetimeFigureOut">
               <a:rPr lang="hu-HU" smtClean="0"/>
               <a:pPr/>
-              <a:t>2017. 03. 02.</a:t>
+              <a:t>2017. 03. 05.</a:t>
             </a:fld>
             <a:endParaRPr lang="hu-HU"/>
           </a:p>
@@ -2190,7 +2190,7 @@
     </p:spTree>
     <p:extLst>
       <p:ext uri="{BB962C8B-B14F-4D97-AF65-F5344CB8AC3E}">
-        <p14:creationId xmlns:p14="http://schemas.microsoft.com/office/powerpoint/2010/main" xmlns="" val="4154606885"/>
+        <p14:creationId xmlns="" xmlns:p14="http://schemas.microsoft.com/office/powerpoint/2010/main" val="4154606885"/>
       </p:ext>
     </p:extLst>
   </p:cSld>
@@ -2507,7 +2507,7 @@
             <a:fld id="{C6E8B002-83F0-41C5-A7B7-2819A96BD9B2}" type="datetimeFigureOut">
               <a:rPr lang="hu-HU" smtClean="0"/>
               <a:pPr/>
-              <a:t>2017. 03. 02.</a:t>
+              <a:t>2017. 03. 05.</a:t>
             </a:fld>
             <a:endParaRPr lang="hu-HU"/>
           </a:p>
@@ -2559,7 +2559,7 @@
     </p:spTree>
     <p:extLst>
       <p:ext uri="{BB962C8B-B14F-4D97-AF65-F5344CB8AC3E}">
-        <p14:creationId xmlns:p14="http://schemas.microsoft.com/office/powerpoint/2010/main" xmlns="" val="352643938"/>
+        <p14:creationId xmlns="" xmlns:p14="http://schemas.microsoft.com/office/powerpoint/2010/main" val="352643938"/>
       </p:ext>
     </p:extLst>
   </p:cSld>
@@ -2627,7 +2627,7 @@
             <a:fld id="{C6E8B002-83F0-41C5-A7B7-2819A96BD9B2}" type="datetimeFigureOut">
               <a:rPr lang="hu-HU" smtClean="0"/>
               <a:pPr/>
-              <a:t>2017. 03. 02.</a:t>
+              <a:t>2017. 03. 05.</a:t>
             </a:fld>
             <a:endParaRPr lang="hu-HU"/>
           </a:p>
@@ -2679,7 +2679,7 @@
     </p:spTree>
     <p:extLst>
       <p:ext uri="{BB962C8B-B14F-4D97-AF65-F5344CB8AC3E}">
-        <p14:creationId xmlns:p14="http://schemas.microsoft.com/office/powerpoint/2010/main" xmlns="" val="755990450"/>
+        <p14:creationId xmlns="" xmlns:p14="http://schemas.microsoft.com/office/powerpoint/2010/main" val="755990450"/>
       </p:ext>
     </p:extLst>
   </p:cSld>
@@ -2724,7 +2724,7 @@
             <a:fld id="{C6E8B002-83F0-41C5-A7B7-2819A96BD9B2}" type="datetimeFigureOut">
               <a:rPr lang="hu-HU" smtClean="0"/>
               <a:pPr/>
-              <a:t>2017. 03. 02.</a:t>
+              <a:t>2017. 03. 05.</a:t>
             </a:fld>
             <a:endParaRPr lang="hu-HU"/>
           </a:p>
@@ -2776,7 +2776,7 @@
     </p:spTree>
     <p:extLst>
       <p:ext uri="{BB962C8B-B14F-4D97-AF65-F5344CB8AC3E}">
-        <p14:creationId xmlns:p14="http://schemas.microsoft.com/office/powerpoint/2010/main" xmlns="" val="631435743"/>
+        <p14:creationId xmlns="" xmlns:p14="http://schemas.microsoft.com/office/powerpoint/2010/main" val="631435743"/>
       </p:ext>
     </p:extLst>
   </p:cSld>
@@ -3003,7 +3003,7 @@
             <a:fld id="{C6E8B002-83F0-41C5-A7B7-2819A96BD9B2}" type="datetimeFigureOut">
               <a:rPr lang="hu-HU" smtClean="0"/>
               <a:pPr/>
-              <a:t>2017. 03. 02.</a:t>
+              <a:t>2017. 03. 05.</a:t>
             </a:fld>
             <a:endParaRPr lang="hu-HU"/>
           </a:p>
@@ -3055,7 +3055,7 @@
     </p:spTree>
     <p:extLst>
       <p:ext uri="{BB962C8B-B14F-4D97-AF65-F5344CB8AC3E}">
-        <p14:creationId xmlns:p14="http://schemas.microsoft.com/office/powerpoint/2010/main" xmlns="" val="1098823887"/>
+        <p14:creationId xmlns="" xmlns:p14="http://schemas.microsoft.com/office/powerpoint/2010/main" val="1098823887"/>
       </p:ext>
     </p:extLst>
   </p:cSld>
@@ -3262,7 +3262,7 @@
             <a:fld id="{C6E8B002-83F0-41C5-A7B7-2819A96BD9B2}" type="datetimeFigureOut">
               <a:rPr lang="hu-HU" smtClean="0"/>
               <a:pPr/>
-              <a:t>2017. 03. 02.</a:t>
+              <a:t>2017. 03. 05.</a:t>
             </a:fld>
             <a:endParaRPr lang="hu-HU"/>
           </a:p>
@@ -3314,7 +3314,7 @@
     </p:spTree>
     <p:extLst>
       <p:ext uri="{BB962C8B-B14F-4D97-AF65-F5344CB8AC3E}">
-        <p14:creationId xmlns:p14="http://schemas.microsoft.com/office/powerpoint/2010/main" xmlns="" val="3373525127"/>
+        <p14:creationId xmlns="" xmlns:p14="http://schemas.microsoft.com/office/powerpoint/2010/main" val="3373525127"/>
       </p:ext>
     </p:extLst>
   </p:cSld>
@@ -3484,7 +3484,7 @@
             <a:fld id="{C6E8B002-83F0-41C5-A7B7-2819A96BD9B2}" type="datetimeFigureOut">
               <a:rPr lang="hu-HU" smtClean="0"/>
               <a:pPr/>
-              <a:t>2017. 03. 02.</a:t>
+              <a:t>2017. 03. 05.</a:t>
             </a:fld>
             <a:endParaRPr lang="hu-HU"/>
           </a:p>
@@ -3572,7 +3572,7 @@
     </p:spTree>
     <p:extLst>
       <p:ext uri="{BB962C8B-B14F-4D97-AF65-F5344CB8AC3E}">
-        <p14:creationId xmlns:p14="http://schemas.microsoft.com/office/powerpoint/2010/main" xmlns="" val="3779397563"/>
+        <p14:creationId xmlns="" xmlns:p14="http://schemas.microsoft.com/office/powerpoint/2010/main" val="3779397563"/>
       </p:ext>
     </p:extLst>
   </p:cSld>
@@ -3978,8 +3978,8 @@
         </p:nvSpPr>
         <p:spPr>
           <a:xfrm rot="20690923">
-            <a:off x="3951529" y="2319588"/>
-            <a:ext cx="1530736" cy="646331"/>
+            <a:off x="3951529" y="2458087"/>
+            <a:ext cx="1530736" cy="369332"/>
           </a:xfrm>
           <a:prstGeom prst="rect">
             <a:avLst/>
@@ -3994,28 +3994,23 @@
           <a:p>
             <a:pPr algn="ctr"/>
             <a:r>
-              <a:rPr lang="hu-HU" dirty="0" smtClean="0">
-                <a:latin typeface="Algerian" pitchFamily="82" charset="0"/>
-              </a:rPr>
-              <a:t>Project</a:t>
-            </a:r>
-          </a:p>
-          <a:p>
-            <a:pPr algn="ctr"/>
-            <a:r>
               <a:rPr lang="hu-HU" dirty="0" err="1" smtClean="0">
-                <a:latin typeface="Algerian" pitchFamily="82" charset="0"/>
+                <a:latin typeface="Arial" pitchFamily="34" charset="0"/>
+                <a:cs typeface="Arial" pitchFamily="34" charset="0"/>
               </a:rPr>
               <a:t>Helpdesk</a:t>
             </a:r>
-            <a:endParaRPr lang="hu-HU" dirty="0"/>
+            <a:endParaRPr lang="hu-HU" dirty="0" smtClean="0">
+              <a:latin typeface="Arial" pitchFamily="34" charset="0"/>
+              <a:cs typeface="Arial" pitchFamily="34" charset="0"/>
+            </a:endParaRPr>
           </a:p>
         </p:txBody>
       </p:sp>
     </p:spTree>
     <p:extLst>
       <p:ext uri="{BB962C8B-B14F-4D97-AF65-F5344CB8AC3E}">
-        <p14:creationId xmlns:p14="http://schemas.microsoft.com/office/powerpoint/2010/main" xmlns="" val="3145726277"/>
+        <p14:creationId xmlns="" xmlns:p14="http://schemas.microsoft.com/office/powerpoint/2010/main" val="3145726277"/>
       </p:ext>
     </p:extLst>
   </p:cSld>
@@ -4073,40 +4068,15 @@
           <a:p>
             <a:r>
               <a:rPr lang="hu-HU" sz="2000" dirty="0" err="1" smtClean="0">
-                <a:latin typeface="Algerian" pitchFamily="82" charset="0"/>
+                <a:latin typeface="Arial" pitchFamily="34" charset="0"/>
+                <a:cs typeface="Arial" pitchFamily="34" charset="0"/>
               </a:rPr>
               <a:t>Helpdesk</a:t>
             </a:r>
             <a:endParaRPr lang="hu-HU" sz="2000" dirty="0">
-              <a:latin typeface="Algerian" pitchFamily="82" charset="0"/>
+              <a:latin typeface="Arial" pitchFamily="34" charset="0"/>
+              <a:cs typeface="Arial" pitchFamily="34" charset="0"/>
             </a:endParaRPr>
-          </a:p>
-        </p:txBody>
-      </p:sp>
-      <p:sp>
-        <p:nvSpPr>
-          <p:cNvPr id="3" name="Alcím 2"/>
-          <p:cNvSpPr>
-            <a:spLocks noGrp="1"/>
-          </p:cNvSpPr>
-          <p:nvPr>
-            <p:ph type="subTitle" idx="1"/>
-          </p:nvPr>
-        </p:nvSpPr>
-        <p:spPr>
-          <a:xfrm>
-            <a:off x="238898" y="858795"/>
-            <a:ext cx="5257230" cy="434696"/>
-          </a:xfrm>
-        </p:spPr>
-        <p:txBody>
-          <a:bodyPr>
-            <a:noAutofit/>
-          </a:bodyPr>
-          <a:lstStyle/>
-          <a:p>
-            <a:pPr algn="l"/>
-            <a:endParaRPr lang="hu-HU" sz="3200" b="1" dirty="0"/>
           </a:p>
         </p:txBody>
       </p:sp>
@@ -4247,7 +4217,7 @@
     </p:spTree>
     <p:extLst>
       <p:ext uri="{BB962C8B-B14F-4D97-AF65-F5344CB8AC3E}">
-        <p14:creationId xmlns:p14="http://schemas.microsoft.com/office/powerpoint/2010/main" xmlns="" val="1869678207"/>
+        <p14:creationId xmlns="" xmlns:p14="http://schemas.microsoft.com/office/powerpoint/2010/main" val="1869678207"/>
       </p:ext>
     </p:extLst>
   </p:cSld>
@@ -4305,12 +4275,14 @@
           <a:p>
             <a:r>
               <a:rPr lang="hu-HU" sz="2000" dirty="0" err="1" smtClean="0">
-                <a:latin typeface="Algerian" pitchFamily="82" charset="0"/>
+                <a:latin typeface="Arial" pitchFamily="34" charset="0"/>
+                <a:cs typeface="Arial" pitchFamily="34" charset="0"/>
               </a:rPr>
               <a:t>Helpdesk</a:t>
             </a:r>
             <a:endParaRPr lang="hu-HU" sz="2000" dirty="0">
-              <a:latin typeface="Algerian" pitchFamily="82" charset="0"/>
+              <a:latin typeface="Arial" pitchFamily="34" charset="0"/>
+              <a:cs typeface="Arial" pitchFamily="34" charset="0"/>
             </a:endParaRPr>
           </a:p>
         </p:txBody>
@@ -4323,7 +4295,7 @@
         </p:nvSpPr>
         <p:spPr>
           <a:xfrm>
-            <a:off x="1518556" y="1126671"/>
+            <a:off x="2177143" y="1039584"/>
             <a:ext cx="5306786" cy="707886"/>
           </a:xfrm>
           <a:prstGeom prst="rect">
@@ -4339,7 +4311,11 @@
           <a:p>
             <a:r>
               <a:rPr lang="hu-HU" sz="4000" b="1" dirty="0" smtClean="0"/>
-              <a:t>Mit vártam a képzéstől</a:t>
+              <a:t>Mit vártam a </a:t>
+            </a:r>
+            <a:r>
+              <a:rPr lang="hu-HU" sz="4000" b="1" dirty="0" smtClean="0"/>
+              <a:t>képzéstől?</a:t>
             </a:r>
             <a:endParaRPr lang="hu-HU" sz="4000" b="1" dirty="0"/>
           </a:p>
@@ -4353,8 +4329,8 @@
         </p:nvSpPr>
         <p:spPr>
           <a:xfrm>
-            <a:off x="1877785" y="1926771"/>
-            <a:ext cx="6322786" cy="2092881"/>
+            <a:off x="624114" y="2162630"/>
+            <a:ext cx="9144000" cy="1661993"/>
           </a:xfrm>
           <a:prstGeom prst="rect">
             <a:avLst/>
@@ -4367,7 +4343,7 @@
           </a:bodyPr>
           <a:lstStyle/>
           <a:p>
-            <a:pPr>
+            <a:pPr algn="just">
               <a:buFont typeface="Arial" pitchFamily="34" charset="0"/>
               <a:buChar char="•"/>
             </a:pPr>
@@ -4377,7 +4353,7 @@
             </a:r>
           </a:p>
           <a:p>
-            <a:pPr>
+            <a:pPr algn="just">
               <a:buFont typeface="Arial" pitchFamily="34" charset="0"/>
               <a:buChar char="•"/>
             </a:pPr>
@@ -4387,7 +4363,7 @@
             </a:r>
           </a:p>
           <a:p>
-            <a:pPr>
+            <a:pPr algn="just">
               <a:buFont typeface="Arial" pitchFamily="34" charset="0"/>
               <a:buChar char="•"/>
             </a:pPr>
@@ -4396,16 +4372,21 @@
               <a:t>Betekintést egy </a:t>
             </a:r>
             <a:r>
-              <a:rPr lang="hu-HU" sz="2800" dirty="0" err="1" smtClean="0"/>
-              <a:t>szoftfer</a:t>
-            </a:r>
-            <a:r>
               <a:rPr lang="hu-HU" sz="2800" dirty="0" smtClean="0"/>
-              <a:t> fejlesztésének folyamatában</a:t>
-            </a:r>
-          </a:p>
-          <a:p>
-            <a:pPr>
+              <a:t>szoftver </a:t>
+            </a:r>
+            <a:r>
+              <a:rPr lang="hu-HU" sz="2800" dirty="0" smtClean="0"/>
+              <a:t>fejlesztésének </a:t>
+            </a:r>
+            <a:r>
+              <a:rPr lang="hu-HU" sz="2800" dirty="0" smtClean="0"/>
+              <a:t>folyamatába</a:t>
+            </a:r>
+            <a:endParaRPr lang="hu-HU" sz="2800" dirty="0" smtClean="0"/>
+          </a:p>
+          <a:p>
+            <a:pPr algn="just">
               <a:buFont typeface="Arial" pitchFamily="34" charset="0"/>
               <a:buChar char="•"/>
             </a:pPr>
@@ -4416,7 +4397,7 @@
     </p:spTree>
     <p:extLst>
       <p:ext uri="{BB962C8B-B14F-4D97-AF65-F5344CB8AC3E}">
-        <p14:creationId xmlns:p14="http://schemas.microsoft.com/office/powerpoint/2010/main" xmlns="" val="1869678207"/>
+        <p14:creationId xmlns="" xmlns:p14="http://schemas.microsoft.com/office/powerpoint/2010/main" val="1869678207"/>
       </p:ext>
     </p:extLst>
   </p:cSld>
@@ -4466,7 +4447,7 @@
         </p:blipFill>
         <p:spPr>
           <a:xfrm>
-            <a:off x="5126367" y="1828800"/>
+            <a:off x="5518253" y="2104571"/>
             <a:ext cx="2943576" cy="2466482"/>
           </a:xfrm>
           <a:prstGeom prst="rect">
@@ -4486,21 +4467,21 @@
         </p:nvSpPr>
         <p:spPr>
           <a:xfrm>
-            <a:off x="620484" y="1028700"/>
-            <a:ext cx="7772400" cy="640386"/>
+            <a:off x="0" y="957941"/>
+            <a:ext cx="8088084" cy="1248229"/>
           </a:xfrm>
         </p:spPr>
         <p:txBody>
           <a:bodyPr>
-            <a:normAutofit/>
+            <a:noAutofit/>
           </a:bodyPr>
           <a:lstStyle/>
           <a:p>
             <a:r>
-              <a:rPr lang="hu-HU" sz="3200" b="1" dirty="0" smtClean="0"/>
+              <a:rPr lang="hu-HU" sz="4000" b="1" dirty="0" smtClean="0"/>
               <a:t>Az egyszerű feladatoktól komplex kihívásokig…</a:t>
             </a:r>
-            <a:endParaRPr lang="hu-HU" sz="3200" b="1" dirty="0"/>
+            <a:endParaRPr lang="hu-HU" sz="4000" b="1" dirty="0"/>
           </a:p>
         </p:txBody>
       </p:sp>
@@ -4545,7 +4526,7 @@
               <a:defRPr/>
             </a:pPr>
             <a:r>
-              <a:rPr kumimoji="0" lang="hu-HU" sz="2000" b="0" i="0" u="none" strike="noStrike" kern="1200" cap="none" spc="0" normalizeH="0" baseline="0" noProof="0" smtClean="0">
+              <a:rPr kumimoji="0" lang="hu-HU" sz="2000" b="0" i="0" u="none" strike="noStrike" kern="1200" cap="none" spc="0" normalizeH="0" baseline="0" noProof="0" dirty="0" err="1" smtClean="0">
                 <a:ln>
                   <a:noFill/>
                 </a:ln>
@@ -4555,9 +4536,9 @@
                 <a:effectLst/>
                 <a:uLnTx/>
                 <a:uFillTx/>
-                <a:latin typeface="Algerian" pitchFamily="82" charset="0"/>
+                <a:latin typeface="Arial" pitchFamily="34" charset="0"/>
                 <a:ea typeface="+mj-ea"/>
-                <a:cs typeface="+mj-cs"/>
+                <a:cs typeface="Arial" pitchFamily="34" charset="0"/>
               </a:rPr>
               <a:t>Helpdesk</a:t>
             </a:r>
@@ -4571,9 +4552,9 @@
               <a:effectLst/>
               <a:uLnTx/>
               <a:uFillTx/>
-              <a:latin typeface="Algerian" pitchFamily="82" charset="0"/>
+              <a:latin typeface="Arial" pitchFamily="34" charset="0"/>
               <a:ea typeface="+mj-ea"/>
-              <a:cs typeface="+mj-cs"/>
+              <a:cs typeface="Arial" pitchFamily="34" charset="0"/>
             </a:endParaRPr>
           </a:p>
         </p:txBody>
@@ -4586,7 +4567,7 @@
         </p:nvSpPr>
         <p:spPr>
           <a:xfrm>
-            <a:off x="457200" y="2220686"/>
+            <a:off x="471715" y="2598057"/>
             <a:ext cx="4405086" cy="1815882"/>
           </a:xfrm>
           <a:prstGeom prst="rect">
@@ -4606,7 +4587,11 @@
             </a:pPr>
             <a:r>
               <a:rPr lang="hu-HU" sz="2800" dirty="0" smtClean="0"/>
-              <a:t>Entitások  és </a:t>
+              <a:t>Entitások </a:t>
+            </a:r>
+            <a:r>
+              <a:rPr lang="hu-HU" sz="2800" dirty="0" smtClean="0"/>
+              <a:t>és </a:t>
             </a:r>
             <a:r>
               <a:rPr lang="hu-HU" sz="2800" dirty="0" err="1" smtClean="0"/>
@@ -4636,7 +4621,11 @@
             </a:r>
             <a:r>
               <a:rPr lang="hu-HU" sz="2800" dirty="0" err="1" smtClean="0"/>
-              <a:t>security</a:t>
+              <a:t>S</a:t>
+            </a:r>
+            <a:r>
+              <a:rPr lang="hu-HU" sz="2800" dirty="0" err="1" smtClean="0"/>
+              <a:t>ecurity</a:t>
             </a:r>
             <a:endParaRPr lang="hu-HU" sz="2800" dirty="0" smtClean="0"/>
           </a:p>
@@ -4647,19 +4636,15 @@
             </a:pPr>
             <a:r>
               <a:rPr lang="hu-HU" sz="2800" dirty="0" err="1" smtClean="0"/>
-              <a:t>Issue</a:t>
+              <a:t>Issuetracker</a:t>
             </a:r>
             <a:r>
               <a:rPr lang="hu-HU" sz="2800" dirty="0" smtClean="0"/>
               <a:t> </a:t>
             </a:r>
             <a:r>
-              <a:rPr lang="hu-HU" sz="2800" dirty="0" err="1" smtClean="0"/>
-              <a:t>tracker</a:t>
-            </a:r>
-            <a:r>
               <a:rPr lang="hu-HU" sz="2800" dirty="0" smtClean="0"/>
-              <a:t> integráció</a:t>
+              <a:t>integráció</a:t>
             </a:r>
             <a:endParaRPr lang="hu-HU" sz="2800" dirty="0"/>
           </a:p>
@@ -4668,7 +4653,7 @@
     </p:spTree>
     <p:extLst>
       <p:ext uri="{BB962C8B-B14F-4D97-AF65-F5344CB8AC3E}">
-        <p14:creationId xmlns:p14="http://schemas.microsoft.com/office/powerpoint/2010/main" xmlns="" val="1869678207"/>
+        <p14:creationId xmlns="" xmlns:p14="http://schemas.microsoft.com/office/powerpoint/2010/main" val="1869678207"/>
       </p:ext>
     </p:extLst>
   </p:cSld>
@@ -4838,8 +4823,8 @@
         </p:nvSpPr>
         <p:spPr>
           <a:xfrm>
-            <a:off x="-248559" y="1088515"/>
-            <a:ext cx="4298044" cy="791085"/>
+            <a:off x="2378527" y="1045029"/>
+            <a:ext cx="4298044" cy="820057"/>
           </a:xfrm>
         </p:spPr>
         <p:txBody>
@@ -5010,7 +4995,7 @@
     </p:spTree>
     <p:extLst>
       <p:ext uri="{BB962C8B-B14F-4D97-AF65-F5344CB8AC3E}">
-        <p14:creationId xmlns:p14="http://schemas.microsoft.com/office/powerpoint/2010/main" xmlns="" val="2025365091"/>
+        <p14:creationId xmlns="" xmlns:p14="http://schemas.microsoft.com/office/powerpoint/2010/main" val="2025365091"/>
       </p:ext>
     </p:extLst>
   </p:cSld>
@@ -5070,7 +5055,7 @@
             </a:r>
             <a:r>
               <a:rPr lang="hu-HU" b="1" dirty="0" err="1" smtClean="0"/>
-              <a:t>security</a:t>
+              <a:t>Security</a:t>
             </a:r>
             <a:endParaRPr lang="hu-HU" b="1" dirty="0"/>
           </a:p>
@@ -5098,17 +5083,21 @@
           <a:p>
             <a:r>
               <a:rPr lang="hu-HU" dirty="0" smtClean="0"/>
-              <a:t>Login információkat más csapat tárolta</a:t>
-            </a:r>
-          </a:p>
-          <a:p>
-            <a:r>
-              <a:rPr lang="hu-HU" dirty="0" err="1" smtClean="0"/>
-              <a:t>Plussz</a:t>
+              <a:t>A Login </a:t>
             </a:r>
             <a:r>
               <a:rPr lang="hu-HU" dirty="0" smtClean="0"/>
-              <a:t> adatok egy felhasználóhoz</a:t>
+              <a:t>információkat más csapat tárolta</a:t>
+            </a:r>
+          </a:p>
+          <a:p>
+            <a:r>
+              <a:rPr lang="hu-HU" dirty="0" smtClean="0"/>
+              <a:t>Plusz </a:t>
+            </a:r>
+            <a:r>
+              <a:rPr lang="hu-HU" dirty="0" smtClean="0"/>
+              <a:t>adatok egy felhasználóhoz</a:t>
             </a:r>
           </a:p>
           <a:p>
@@ -5167,9 +5156,9 @@
                 <a:effectLst/>
                 <a:uLnTx/>
                 <a:uFillTx/>
-                <a:latin typeface="Algerian" pitchFamily="82" charset="0"/>
+                <a:latin typeface="Arial" pitchFamily="34" charset="0"/>
                 <a:ea typeface="+mj-ea"/>
-                <a:cs typeface="+mj-cs"/>
+                <a:cs typeface="Arial" pitchFamily="34" charset="0"/>
               </a:rPr>
               <a:t>Helpdesk</a:t>
             </a:r>
@@ -5183,9 +5172,9 @@
               <a:effectLst/>
               <a:uLnTx/>
               <a:uFillTx/>
-              <a:latin typeface="Algerian" pitchFamily="82" charset="0"/>
+              <a:latin typeface="Arial" pitchFamily="34" charset="0"/>
               <a:ea typeface="+mj-ea"/>
-              <a:cs typeface="+mj-cs"/>
+              <a:cs typeface="Arial" pitchFamily="34" charset="0"/>
             </a:endParaRPr>
           </a:p>
         </p:txBody>
@@ -5246,19 +5235,15 @@
           <a:p>
             <a:r>
               <a:rPr lang="hu-HU" b="1" dirty="0" err="1" smtClean="0"/>
-              <a:t>Issue</a:t>
+              <a:t>Issuetracker</a:t>
             </a:r>
             <a:r>
               <a:rPr lang="hu-HU" b="1" dirty="0" smtClean="0"/>
               <a:t> </a:t>
             </a:r>
             <a:r>
-              <a:rPr lang="hu-HU" b="1" dirty="0" err="1" smtClean="0"/>
-              <a:t>tracker</a:t>
-            </a:r>
-            <a:r>
               <a:rPr lang="hu-HU" b="1" dirty="0" smtClean="0"/>
-              <a:t> integráció</a:t>
+              <a:t>integráció</a:t>
             </a:r>
             <a:endParaRPr lang="hu-HU" b="1" dirty="0"/>
           </a:p>
@@ -5299,12 +5284,16 @@
           </a:p>
           <a:p>
             <a:r>
-              <a:rPr lang="hu-HU" dirty="0" err="1" smtClean="0"/>
-              <a:t>Ticketek</a:t>
-            </a:r>
-            <a:r>
               <a:rPr lang="hu-HU" dirty="0" smtClean="0"/>
-              <a:t> felvétele</a:t>
+              <a:t>Hibajegyek</a:t>
+            </a:r>
+            <a:r>
+              <a:rPr lang="hu-HU" dirty="0" smtClean="0"/>
+              <a:t> </a:t>
+            </a:r>
+            <a:r>
+              <a:rPr lang="hu-HU" dirty="0" smtClean="0"/>
+              <a:t>felvétele</a:t>
             </a:r>
           </a:p>
           <a:p>
@@ -5313,8 +5302,8 @@
               <a:t>Statisztikák </a:t>
             </a:r>
             <a:r>
-              <a:rPr lang="hu-HU" dirty="0" err="1" smtClean="0"/>
-              <a:t>megjelenitése</a:t>
+              <a:rPr lang="hu-HU" dirty="0" smtClean="0"/>
+              <a:t>megjelenítése</a:t>
             </a:r>
             <a:endParaRPr lang="hu-HU" dirty="0"/>
           </a:p>
@@ -5448,7 +5437,11 @@
           <a:p>
             <a:r>
               <a:rPr lang="hu-HU" b="1" dirty="0" smtClean="0"/>
-              <a:t>Mit kaptam a képzéstől:</a:t>
+              <a:t>Am</a:t>
+            </a:r>
+            <a:r>
+              <a:rPr lang="hu-HU" b="1" dirty="0" smtClean="0"/>
+              <a:t>it a képzéstől kaptam:</a:t>
             </a:r>
             <a:endParaRPr lang="hu-HU" b="1" dirty="0"/>
           </a:p>
@@ -5488,9 +5481,20 @@
           <a:p>
             <a:r>
               <a:rPr lang="hu-HU" dirty="0" smtClean="0"/>
-              <a:t>Maximalistább hozzá állás a saját munkámhoz </a:t>
+              <a:t>Maximalistább </a:t>
+            </a:r>
+            <a:r>
+              <a:rPr lang="hu-HU" dirty="0" smtClean="0"/>
+              <a:t>hozzá </a:t>
+            </a:r>
+            <a:r>
+              <a:rPr lang="hu-HU" dirty="0" smtClean="0"/>
+              <a:t>állás a saját munkámhoz </a:t>
             </a:r>
             <a:endParaRPr lang="hu-HU" dirty="0"/>
+          </a:p>
+          <a:p>
+            <a:endParaRPr lang="hu-HU" dirty="0" smtClean="0"/>
           </a:p>
         </p:txBody>
       </p:sp>
@@ -5545,9 +5549,9 @@
                 <a:effectLst/>
                 <a:uLnTx/>
                 <a:uFillTx/>
-                <a:latin typeface="Algerian" pitchFamily="82" charset="0"/>
+                <a:latin typeface="Arial" pitchFamily="34" charset="0"/>
                 <a:ea typeface="+mj-ea"/>
-                <a:cs typeface="+mj-cs"/>
+                <a:cs typeface="Arial" pitchFamily="34" charset="0"/>
               </a:rPr>
               <a:t>Helpdesk</a:t>
             </a:r>
@@ -5561,9 +5565,9 @@
               <a:effectLst/>
               <a:uLnTx/>
               <a:uFillTx/>
-              <a:latin typeface="Algerian" pitchFamily="82" charset="0"/>
+              <a:latin typeface="Arial" pitchFamily="34" charset="0"/>
               <a:ea typeface="+mj-ea"/>
-              <a:cs typeface="+mj-cs"/>
+              <a:cs typeface="Arial" pitchFamily="34" charset="0"/>
             </a:endParaRPr>
           </a:p>
         </p:txBody>
@@ -5824,19 +5828,13 @@
               </a:rPr>
               <a:t>Tóth László</a:t>
             </a:r>
-            <a:endParaRPr lang="hu-HU" sz="1500" dirty="0" smtClean="0">
-              <a:solidFill>
-                <a:schemeClr val="bg1"/>
-              </a:solidFill>
-              <a:latin typeface="+mj-lt"/>
-            </a:endParaRPr>
           </a:p>
         </p:txBody>
       </p:sp>
     </p:spTree>
     <p:extLst>
       <p:ext uri="{BB962C8B-B14F-4D97-AF65-F5344CB8AC3E}">
-        <p14:creationId xmlns:p14="http://schemas.microsoft.com/office/powerpoint/2010/main" xmlns="" val="3541323241"/>
+        <p14:creationId xmlns="" xmlns:p14="http://schemas.microsoft.com/office/powerpoint/2010/main" val="3541323241"/>
       </p:ext>
     </p:extLst>
   </p:cSld>
@@ -6108,7 +6106,7 @@
   <a:extraClrSchemeLst/>
   <a:extLst>
     <a:ext uri="{05A4C25C-085E-4340-85A3-A5531E510DB2}">
-      <thm15:themeFamily xmlns:thm15="http://schemas.microsoft.com/office/thememl/2012/main" xmlns="" name="Office Theme" id="{62F939B6-93AF-4DB8-9C6B-D6C7DFDC589F}" vid="{4A3C46E8-61CC-4603-A589-7422A47A8E4A}"/>
+      <thm15:themeFamily xmlns="" xmlns:thm15="http://schemas.microsoft.com/office/thememl/2012/main" name="Office Theme" id="{62F939B6-93AF-4DB8-9C6B-D6C7DFDC589F}" vid="{4A3C46E8-61CC-4603-A589-7422A47A8E4A}"/>
     </a:ext>
   </a:extLst>
 </a:theme>
@@ -6398,6 +6396,21 @@
 </file>
 
 <file path=customXml/item1.xml><?xml version="1.0" encoding="utf-8"?>
+<p:properties xmlns:p="http://schemas.microsoft.com/office/2006/metadata/properties" xmlns:xsi="http://www.w3.org/2001/XMLSchema-instance" xmlns:pc="http://schemas.microsoft.com/office/infopath/2007/PartnerControls">
+  <documentManagement/>
+</p:properties>
+</file>
+
+<file path=customXml/item2.xml><?xml version="1.0" encoding="utf-8"?>
+<?mso-contentType ?>
+<FormTemplates xmlns="http://schemas.microsoft.com/sharepoint/v3/contenttype/forms">
+  <Display>DocumentLibraryForm</Display>
+  <Edit>DocumentLibraryForm</Edit>
+  <New>DocumentLibraryForm</New>
+</FormTemplates>
+</file>
+
+<file path=customXml/item3.xml><?xml version="1.0" encoding="utf-8"?>
 <ct:contentTypeSchema xmlns:ct="http://schemas.microsoft.com/office/2006/metadata/contentType" xmlns:ma="http://schemas.microsoft.com/office/2006/metadata/properties/metaAttributes" ct:_="" ma:_="" ma:contentTypeName="Dokumentum" ma:contentTypeID="0x010100AC862C676857C24E8FC2D32B30708833" ma:contentTypeVersion="2" ma:contentTypeDescription="Új dokumentum létrehozása." ma:contentTypeScope="" ma:versionID="56d51952ebb676fe3cf20c5597969f31">
   <xsd:schema xmlns:xsd="http://www.w3.org/2001/XMLSchema" xmlns:xs="http://www.w3.org/2001/XMLSchema" xmlns:p="http://schemas.microsoft.com/office/2006/metadata/properties" xmlns:ns2="9a324a02-be43-499b-8089-7896e70993e7" targetNamespace="http://schemas.microsoft.com/office/2006/metadata/properties" ma:root="true" ma:fieldsID="4fefbcd2855290300f96a0ef710b0fa0" ns2:_="">
     <xsd:import namespace="9a324a02-be43-499b-8089-7896e70993e7"/>
@@ -6545,22 +6558,24 @@
 </ct:contentTypeSchema>
 </file>
 
-<file path=customXml/item2.xml><?xml version="1.0" encoding="utf-8"?>
-<?mso-contentType ?>
-<FormTemplates xmlns="http://schemas.microsoft.com/sharepoint/v3/contenttype/forms">
-  <Display>DocumentLibraryForm</Display>
-  <Edit>DocumentLibraryForm</Edit>
-  <New>DocumentLibraryForm</New>
-</FormTemplates>
+<file path=customXml/itemProps1.xml><?xml version="1.0" encoding="utf-8"?>
+<ds:datastoreItem xmlns:ds="http://schemas.openxmlformats.org/officeDocument/2006/customXml" ds:itemID="{8E1455B4-EFFE-4AEE-ADC2-FE51D16F6234}">
+  <ds:schemaRefs>
+    <ds:schemaRef ds:uri="http://schemas.microsoft.com/office/2006/metadata/properties"/>
+    <ds:schemaRef ds:uri="http://schemas.microsoft.com/office/infopath/2007/PartnerControls"/>
+  </ds:schemaRefs>
+</ds:datastoreItem>
 </file>
 
-<file path=customXml/item3.xml><?xml version="1.0" encoding="utf-8"?>
-<p:properties xmlns:p="http://schemas.microsoft.com/office/2006/metadata/properties" xmlns:xsi="http://www.w3.org/2001/XMLSchema-instance" xmlns:pc="http://schemas.microsoft.com/office/infopath/2007/PartnerControls">
-  <documentManagement/>
-</p:properties>
+<file path=customXml/itemProps2.xml><?xml version="1.0" encoding="utf-8"?>
+<ds:datastoreItem xmlns:ds="http://schemas.openxmlformats.org/officeDocument/2006/customXml" ds:itemID="{166AD069-051C-46FD-A0CD-BDE143FEA57D}">
+  <ds:schemaRefs>
+    <ds:schemaRef ds:uri="http://schemas.microsoft.com/sharepoint/v3/contenttype/forms"/>
+  </ds:schemaRefs>
+</ds:datastoreItem>
 </file>
 
-<file path=customXml/itemProps1.xml><?xml version="1.0" encoding="utf-8"?>
+<file path=customXml/itemProps3.xml><?xml version="1.0" encoding="utf-8"?>
 <ds:datastoreItem xmlns:ds="http://schemas.openxmlformats.org/officeDocument/2006/customXml" ds:itemID="{C5A1A0B1-1575-4000-BA64-916766809361}">
   <ds:schemaRefs>
     <ds:schemaRef ds:uri="http://schemas.microsoft.com/office/2006/metadata/contentType"/>
@@ -6576,21 +6591,4 @@
     <ds:schemaRef ds:uri="http://schemas.microsoft.com/internal/obd"/>
   </ds:schemaRefs>
 </ds:datastoreItem>
-</file>
-
-<file path=customXml/itemProps2.xml><?xml version="1.0" encoding="utf-8"?>
-<ds:datastoreItem xmlns:ds="http://schemas.openxmlformats.org/officeDocument/2006/customXml" ds:itemID="{166AD069-051C-46FD-A0CD-BDE143FEA57D}">
-  <ds:schemaRefs>
-    <ds:schemaRef ds:uri="http://schemas.microsoft.com/sharepoint/v3/contenttype/forms"/>
-  </ds:schemaRefs>
-</ds:datastoreItem>
-</file>
-
-<file path=customXml/itemProps3.xml><?xml version="1.0" encoding="utf-8"?>
-<ds:datastoreItem xmlns:ds="http://schemas.openxmlformats.org/officeDocument/2006/customXml" ds:itemID="{8E1455B4-EFFE-4AEE-ADC2-FE51D16F6234}">
-  <ds:schemaRefs>
-    <ds:schemaRef ds:uri="http://schemas.microsoft.com/office/2006/metadata/properties"/>
-    <ds:schemaRef ds:uri="http://schemas.microsoft.com/office/infopath/2007/PartnerControls"/>
-  </ds:schemaRefs>
-</ds:datastoreItem>
 </file>
--- a/presentation/Helpdesk/Tóth László/toth_laszlo.pptx
+++ b/presentation/Helpdesk/Tóth László/toth_laszlo.pptx
@@ -5,18 +5,17 @@
     <p:sldMasterId id="2147483660" r:id="rId4"/>
   </p:sldMasterIdLst>
   <p:notesMasterIdLst>
-    <p:notesMasterId r:id="rId14"/>
+    <p:notesMasterId r:id="rId13"/>
   </p:notesMasterIdLst>
   <p:sldIdLst>
-    <p:sldId id="265" r:id="rId5"/>
-    <p:sldId id="266" r:id="rId6"/>
-    <p:sldId id="267" r:id="rId7"/>
-    <p:sldId id="261" r:id="rId8"/>
-    <p:sldId id="270" r:id="rId9"/>
-    <p:sldId id="271" r:id="rId10"/>
-    <p:sldId id="272" r:id="rId11"/>
-    <p:sldId id="273" r:id="rId12"/>
-    <p:sldId id="258" r:id="rId13"/>
+    <p:sldId id="266" r:id="rId5"/>
+    <p:sldId id="267" r:id="rId6"/>
+    <p:sldId id="261" r:id="rId7"/>
+    <p:sldId id="270" r:id="rId8"/>
+    <p:sldId id="271" r:id="rId9"/>
+    <p:sldId id="272" r:id="rId10"/>
+    <p:sldId id="273" r:id="rId11"/>
+    <p:sldId id="258" r:id="rId12"/>
   </p:sldIdLst>
   <p:sldSz cx="9144000" cy="5143500" type="screen16x9"/>
   <p:notesSz cx="6858000" cy="9144000"/>
@@ -571,7 +570,7 @@
             <a:fld id="{E8CDED4D-A8A4-450F-8B8F-33920FA6A611}" type="slidenum">
               <a:rPr lang="hu-HU" smtClean="0"/>
               <a:pPr/>
-              <a:t>2</a:t>
+              <a:t>1</a:t>
             </a:fld>
             <a:endParaRPr lang="hu-HU"/>
           </a:p>
@@ -653,7 +652,7 @@
             <a:fld id="{E8CDED4D-A8A4-450F-8B8F-33920FA6A611}" type="slidenum">
               <a:rPr lang="hu-HU" smtClean="0"/>
               <a:pPr/>
-              <a:t>3</a:t>
+              <a:t>2</a:t>
             </a:fld>
             <a:endParaRPr lang="hu-HU"/>
           </a:p>
@@ -735,7 +734,7 @@
             <a:fld id="{37F5BA7A-53FA-4B64-BA9D-1AFB6F476CB1}" type="slidenum">
               <a:rPr lang="hu-HU" smtClean="0"/>
               <a:pPr/>
-              <a:t>4</a:t>
+              <a:t>3</a:t>
             </a:fld>
             <a:endParaRPr lang="hu-HU"/>
           </a:p>
@@ -817,7 +816,7 @@
             <a:fld id="{37F5BA7A-53FA-4B64-BA9D-1AFB6F476CB1}" type="slidenum">
               <a:rPr lang="hu-HU" smtClean="0"/>
               <a:pPr/>
-              <a:t>5</a:t>
+              <a:t>4</a:t>
             </a:fld>
             <a:endParaRPr lang="hu-HU"/>
           </a:p>
@@ -882,7 +881,7 @@
           </a:bodyPr>
           <a:lstStyle/>
           <a:p>
-            <a:endParaRPr lang="hu-HU"/>
+            <a:endParaRPr lang="hu-HU" dirty="0"/>
           </a:p>
         </p:txBody>
       </p:sp>
@@ -904,7 +903,7 @@
             <a:fld id="{37F5BA7A-53FA-4B64-BA9D-1AFB6F476CB1}" type="slidenum">
               <a:rPr lang="hu-HU" smtClean="0"/>
               <a:pPr/>
-              <a:t>6</a:t>
+              <a:t>5</a:t>
             </a:fld>
             <a:endParaRPr lang="hu-HU"/>
           </a:p>
@@ -986,7 +985,89 @@
             <a:fld id="{37F5BA7A-53FA-4B64-BA9D-1AFB6F476CB1}" type="slidenum">
               <a:rPr lang="hu-HU" smtClean="0"/>
               <a:pPr/>
-              <a:t>9</a:t>
+              <a:t>7</a:t>
+            </a:fld>
+            <a:endParaRPr lang="hu-HU"/>
+          </a:p>
+        </p:txBody>
+      </p:sp>
+    </p:spTree>
+  </p:cSld>
+  <p:clrMapOvr>
+    <a:masterClrMapping/>
+  </p:clrMapOvr>
+</p:notes>
+</file>
+
+<file path=ppt/notesSlides/notesSlide7.xml><?xml version="1.0" encoding="utf-8"?>
+<p:notes xmlns:a="http://schemas.openxmlformats.org/drawingml/2006/main" xmlns:r="http://schemas.openxmlformats.org/officeDocument/2006/relationships" xmlns:p="http://schemas.openxmlformats.org/presentationml/2006/main">
+  <p:cSld>
+    <p:spTree>
+      <p:nvGrpSpPr>
+        <p:cNvPr id="1" name=""/>
+        <p:cNvGrpSpPr/>
+        <p:nvPr/>
+      </p:nvGrpSpPr>
+      <p:grpSpPr>
+        <a:xfrm>
+          <a:off x="0" y="0"/>
+          <a:ext cx="0" cy="0"/>
+          <a:chOff x="0" y="0"/>
+          <a:chExt cx="0" cy="0"/>
+        </a:xfrm>
+      </p:grpSpPr>
+      <p:sp>
+        <p:nvSpPr>
+          <p:cNvPr id="2" name="Diakép helye 1"/>
+          <p:cNvSpPr>
+            <a:spLocks noGrp="1" noRot="1" noChangeAspect="1"/>
+          </p:cNvSpPr>
+          <p:nvPr>
+            <p:ph type="sldImg"/>
+          </p:nvPr>
+        </p:nvSpPr>
+        <p:spPr/>
+      </p:sp>
+      <p:sp>
+        <p:nvSpPr>
+          <p:cNvPr id="3" name="Jegyzetek helye 2"/>
+          <p:cNvSpPr>
+            <a:spLocks noGrp="1"/>
+          </p:cNvSpPr>
+          <p:nvPr>
+            <p:ph type="body" idx="1"/>
+          </p:nvPr>
+        </p:nvSpPr>
+        <p:spPr/>
+        <p:txBody>
+          <a:bodyPr>
+            <a:normAutofit/>
+          </a:bodyPr>
+          <a:lstStyle/>
+          <a:p>
+            <a:endParaRPr lang="hu-HU" dirty="0"/>
+          </a:p>
+        </p:txBody>
+      </p:sp>
+      <p:sp>
+        <p:nvSpPr>
+          <p:cNvPr id="4" name="Dia számának helye 3"/>
+          <p:cNvSpPr>
+            <a:spLocks noGrp="1"/>
+          </p:cNvSpPr>
+          <p:nvPr>
+            <p:ph type="sldNum" sz="quarter" idx="10"/>
+          </p:nvPr>
+        </p:nvSpPr>
+        <p:spPr/>
+        <p:txBody>
+          <a:bodyPr/>
+          <a:lstStyle/>
+          <a:p>
+            <a:fld id="{37F5BA7A-53FA-4B64-BA9D-1AFB6F476CB1}" type="slidenum">
+              <a:rPr lang="hu-HU" smtClean="0"/>
+              <a:pPr/>
+              <a:t>8</a:t>
             </a:fld>
             <a:endParaRPr lang="hu-HU"/>
           </a:p>
@@ -3890,41 +3971,54 @@
           <a:chExt cx="0" cy="0"/>
         </a:xfrm>
       </p:grpSpPr>
-      <p:pic>
-        <p:nvPicPr>
-          <p:cNvPr id="6" name="Tartalom helye 5" descr="Kép1.jpg"/>
-          <p:cNvPicPr>
-            <a:picLocks noGrp="1" noChangeAspect="1"/>
-          </p:cNvPicPr>
-          <p:nvPr>
-            <p:ph idx="1"/>
-          </p:nvPr>
-        </p:nvPicPr>
-        <p:blipFill>
-          <a:blip r:embed="rId2"/>
-          <a:stretch>
-            <a:fillRect/>
-          </a:stretch>
-        </p:blipFill>
+      <p:sp>
+        <p:nvSpPr>
+          <p:cNvPr id="2" name="Cím 1"/>
+          <p:cNvSpPr>
+            <a:spLocks noGrp="1"/>
+          </p:cNvSpPr>
+          <p:nvPr>
+            <p:ph type="ctrTitle"/>
+          </p:nvPr>
+        </p:nvSpPr>
+        <p:spPr>
+          <a:xfrm rot="20544073">
+            <a:off x="7446477" y="153351"/>
+            <a:ext cx="1548465" cy="417968"/>
+          </a:xfrm>
+        </p:spPr>
+        <p:txBody>
+          <a:bodyPr>
+            <a:normAutofit/>
+          </a:bodyPr>
+          <a:lstStyle/>
+          <a:p>
+            <a:r>
+              <a:rPr lang="hu-HU" sz="2000" dirty="0" err="1" smtClean="0">
+                <a:latin typeface="+mn-lt"/>
+                <a:cs typeface="Arial" pitchFamily="34" charset="0"/>
+              </a:rPr>
+              <a:t>Helpdesk</a:t>
+            </a:r>
+            <a:endParaRPr lang="hu-HU" sz="2000" dirty="0">
+              <a:latin typeface="+mn-lt"/>
+              <a:cs typeface="Arial" pitchFamily="34" charset="0"/>
+            </a:endParaRPr>
+          </a:p>
+        </p:txBody>
+      </p:sp>
+      <p:sp>
+        <p:nvSpPr>
+          <p:cNvPr id="19" name="Alcím 2"/>
+          <p:cNvSpPr txBox="1">
+            <a:spLocks/>
+          </p:cNvSpPr>
+          <p:nvPr/>
+        </p:nvSpPr>
         <p:spPr>
           <a:xfrm>
-            <a:off x="0" y="0"/>
-            <a:ext cx="9144000" cy="5144445"/>
-          </a:xfrm>
-        </p:spPr>
-      </p:pic>
-      <p:sp>
-        <p:nvSpPr>
-          <p:cNvPr id="7" name="Tartalom helye 2"/>
-          <p:cNvSpPr txBox="1">
-            <a:spLocks/>
-          </p:cNvSpPr>
-          <p:nvPr/>
-        </p:nvSpPr>
-        <p:spPr>
-          <a:xfrm rot="21115592">
-            <a:off x="3332537" y="2383171"/>
-            <a:ext cx="2847362" cy="775170"/>
+            <a:off x="409358" y="1859859"/>
+            <a:ext cx="4075012" cy="2757624"/>
           </a:xfrm>
           <a:prstGeom prst="rect">
             <a:avLst/>
@@ -3932,11 +4026,11 @@
         </p:spPr>
         <p:txBody>
           <a:bodyPr vert="horz" lIns="91440" tIns="45720" rIns="91440" bIns="45720" rtlCol="0">
-            <a:noAutofit/>
+            <a:normAutofit/>
           </a:bodyPr>
           <a:lstStyle/>
           <a:p>
-            <a:pPr marL="0" marR="0" lvl="0" indent="0" algn="ctr" defTabSz="914400" rtl="0" eaLnBrk="1" fontAlgn="auto" latinLnBrk="0" hangingPunct="1">
+            <a:pPr marL="0" marR="0" lvl="0" indent="0" defTabSz="914400" rtl="0" eaLnBrk="1" fontAlgn="auto" latinLnBrk="0" hangingPunct="1">
               <a:lnSpc>
                 <a:spcPct val="90000"/>
               </a:lnSpc>
@@ -3948,12 +4042,12 @@
               </a:spcAft>
               <a:buClrTx/>
               <a:buSzTx/>
-              <a:buFont typeface="Arial" panose="020B0604020202020204" pitchFamily="34" charset="0"/>
-              <a:buNone/>
+              <a:buFont typeface="Arial" pitchFamily="34" charset="0"/>
+              <a:buChar char="•"/>
               <a:tabLst/>
               <a:defRPr/>
             </a:pPr>
-            <a:endParaRPr kumimoji="0" lang="hu-HU" sz="2800" b="0" i="0" u="none" strike="noStrike" kern="1200" cap="none" spc="0" normalizeH="0" baseline="0" noProof="0" dirty="0">
+            <a:endParaRPr kumimoji="0" lang="hu-HU" sz="2800" b="1" i="0" u="none" strike="noStrike" kern="1200" cap="none" spc="0" normalizeH="0" baseline="0" noProof="0" dirty="0" smtClean="0">
               <a:ln>
                 <a:noFill/>
               </a:ln>
@@ -3963,23 +4057,46 @@
               <a:effectLst/>
               <a:uLnTx/>
               <a:uFillTx/>
-              <a:latin typeface="+mj-lt"/>
               <a:ea typeface="+mn-ea"/>
               <a:cs typeface="+mn-cs"/>
             </a:endParaRPr>
           </a:p>
         </p:txBody>
       </p:sp>
-      <p:sp>
-        <p:nvSpPr>
-          <p:cNvPr id="4" name="Szövegdoboz 3"/>
+      <p:pic>
+        <p:nvPicPr>
+          <p:cNvPr id="5" name="Kép 4" descr="gg.jpg"/>
+          <p:cNvPicPr>
+            <a:picLocks noChangeAspect="1"/>
+          </p:cNvPicPr>
+          <p:nvPr/>
+        </p:nvPicPr>
+        <p:blipFill>
+          <a:blip r:embed="rId3" cstate="print"/>
+          <a:stretch>
+            <a:fillRect/>
+          </a:stretch>
+        </p:blipFill>
+        <p:spPr>
+          <a:xfrm>
+            <a:off x="5715001" y="1378673"/>
+            <a:ext cx="3037660" cy="3037660"/>
+          </a:xfrm>
+          <a:prstGeom prst="rect">
+            <a:avLst/>
+          </a:prstGeom>
+        </p:spPr>
+      </p:pic>
+      <p:sp>
+        <p:nvSpPr>
+          <p:cNvPr id="7" name="Szövegdoboz 6"/>
           <p:cNvSpPr txBox="1"/>
           <p:nvPr/>
         </p:nvSpPr>
         <p:spPr>
-          <a:xfrm rot="20690923">
-            <a:off x="3951529" y="2458087"/>
-            <a:ext cx="1530736" cy="369332"/>
+          <a:xfrm>
+            <a:off x="800101" y="2022928"/>
+            <a:ext cx="4278086" cy="1569660"/>
           </a:xfrm>
           <a:prstGeom prst="rect">
             <a:avLst/>
@@ -3994,14 +4111,31 @@
           <a:p>
             <a:pPr algn="ctr"/>
             <a:r>
-              <a:rPr lang="hu-HU" dirty="0" err="1" smtClean="0">
+              <a:rPr lang="hu-HU" sz="3200" b="1" dirty="0" smtClean="0">
                 <a:latin typeface="Arial" pitchFamily="34" charset="0"/>
                 <a:cs typeface="Arial" pitchFamily="34" charset="0"/>
               </a:rPr>
-              <a:t>Helpdesk</a:t>
-            </a:r>
-            <a:endParaRPr lang="hu-HU" dirty="0" smtClean="0">
-              <a:latin typeface="Arial" pitchFamily="34" charset="0"/>
+              <a:t>Tóth László</a:t>
+            </a:r>
+          </a:p>
+          <a:p>
+            <a:pPr algn="ctr"/>
+            <a:r>
+              <a:rPr lang="hu-HU" sz="3200" dirty="0" smtClean="0">
+                <a:cs typeface="Arial" pitchFamily="34" charset="0"/>
+              </a:rPr>
+              <a:t>Mérnökinformatikus</a:t>
+            </a:r>
+          </a:p>
+          <a:p>
+            <a:pPr algn="ctr"/>
+            <a:r>
+              <a:rPr lang="hu-HU" sz="3200" dirty="0" err="1" smtClean="0">
+                <a:cs typeface="Arial" pitchFamily="34" charset="0"/>
+              </a:rPr>
+              <a:t>Bsc</a:t>
+            </a:r>
+            <a:endParaRPr lang="hu-HU" sz="3200" dirty="0" smtClean="0">
               <a:cs typeface="Arial" pitchFamily="34" charset="0"/>
             </a:endParaRPr>
           </a:p>
@@ -4010,7 +4144,7 @@
     </p:spTree>
     <p:extLst>
       <p:ext uri="{BB962C8B-B14F-4D97-AF65-F5344CB8AC3E}">
-        <p14:creationId xmlns="" xmlns:p14="http://schemas.microsoft.com/office/powerpoint/2010/main" val="3145726277"/>
+        <p14:creationId xmlns="" xmlns:p14="http://schemas.microsoft.com/office/powerpoint/2010/main" val="1869678207"/>
       </p:ext>
     </p:extLst>
   </p:cSld>
@@ -4046,81 +4180,169 @@
       </p:grpSpPr>
       <p:sp>
         <p:nvSpPr>
-          <p:cNvPr id="2" name="Cím 1"/>
-          <p:cNvSpPr>
-            <a:spLocks noGrp="1"/>
-          </p:cNvSpPr>
-          <p:nvPr>
-            <p:ph type="ctrTitle"/>
-          </p:nvPr>
+          <p:cNvPr id="4" name="Szövegdoboz 3"/>
+          <p:cNvSpPr txBox="1"/>
+          <p:nvPr/>
+        </p:nvSpPr>
+        <p:spPr>
+          <a:xfrm>
+            <a:off x="566056" y="937983"/>
+            <a:ext cx="5306786" cy="707886"/>
+          </a:xfrm>
+          <a:prstGeom prst="rect">
+            <a:avLst/>
+          </a:prstGeom>
+          <a:noFill/>
+        </p:spPr>
+        <p:txBody>
+          <a:bodyPr wrap="square" rtlCol="0">
+            <a:spAutoFit/>
+          </a:bodyPr>
+          <a:lstStyle/>
+          <a:p>
+            <a:r>
+              <a:rPr lang="hu-HU" sz="4000" b="1" dirty="0" smtClean="0"/>
+              <a:t>Mit vártam a </a:t>
+            </a:r>
+            <a:r>
+              <a:rPr lang="hu-HU" sz="4000" b="1" dirty="0" smtClean="0"/>
+              <a:t>képzéstől?</a:t>
+            </a:r>
+            <a:endParaRPr lang="hu-HU" sz="4000" b="1" dirty="0"/>
+          </a:p>
+        </p:txBody>
+      </p:sp>
+      <p:sp>
+        <p:nvSpPr>
+          <p:cNvPr id="5" name="Szövegdoboz 4"/>
+          <p:cNvSpPr txBox="1"/>
+          <p:nvPr/>
+        </p:nvSpPr>
+        <p:spPr>
+          <a:xfrm>
+            <a:off x="943428" y="1901373"/>
+            <a:ext cx="9144000" cy="1661993"/>
+          </a:xfrm>
+          <a:prstGeom prst="rect">
+            <a:avLst/>
+          </a:prstGeom>
+          <a:noFill/>
+        </p:spPr>
+        <p:txBody>
+          <a:bodyPr wrap="square" rtlCol="0">
+            <a:spAutoFit/>
+          </a:bodyPr>
+          <a:lstStyle/>
+          <a:p>
+            <a:pPr algn="just">
+              <a:buFont typeface="Arial" pitchFamily="34" charset="0"/>
+              <a:buChar char="•"/>
+            </a:pPr>
+            <a:r>
+              <a:rPr lang="hu-HU" sz="2800" dirty="0" smtClean="0"/>
+              <a:t>Új piacképes technológiák megismerése</a:t>
+            </a:r>
+          </a:p>
+          <a:p>
+            <a:pPr algn="just">
+              <a:buFont typeface="Arial" pitchFamily="34" charset="0"/>
+              <a:buChar char="•"/>
+            </a:pPr>
+            <a:r>
+              <a:rPr lang="hu-HU" sz="2800" dirty="0" smtClean="0"/>
+              <a:t>Gyakorlati  tudás </a:t>
+            </a:r>
+          </a:p>
+          <a:p>
+            <a:pPr algn="just">
+              <a:buFont typeface="Arial" pitchFamily="34" charset="0"/>
+              <a:buChar char="•"/>
+            </a:pPr>
+            <a:r>
+              <a:rPr lang="hu-HU" sz="2800" dirty="0" smtClean="0"/>
+              <a:t>Betekintést egy </a:t>
+            </a:r>
+            <a:r>
+              <a:rPr lang="hu-HU" sz="2800" dirty="0" smtClean="0"/>
+              <a:t>szoftver </a:t>
+            </a:r>
+            <a:r>
+              <a:rPr lang="hu-HU" sz="2800" dirty="0" smtClean="0"/>
+              <a:t>fejlesztésének </a:t>
+            </a:r>
+            <a:r>
+              <a:rPr lang="hu-HU" sz="2800" dirty="0" smtClean="0"/>
+              <a:t>folyamatába</a:t>
+            </a:r>
+            <a:endParaRPr lang="hu-HU" sz="2800" dirty="0" smtClean="0"/>
+          </a:p>
+          <a:p>
+            <a:pPr algn="just">
+              <a:buFont typeface="Arial" pitchFamily="34" charset="0"/>
+              <a:buChar char="•"/>
+            </a:pPr>
+            <a:endParaRPr lang="hu-HU" dirty="0"/>
+          </a:p>
+        </p:txBody>
+      </p:sp>
+      <p:sp>
+        <p:nvSpPr>
+          <p:cNvPr id="7" name="Cím 1"/>
+          <p:cNvSpPr txBox="1">
+            <a:spLocks/>
+          </p:cNvSpPr>
+          <p:nvPr/>
         </p:nvSpPr>
         <p:spPr>
           <a:xfrm rot="20544073">
             <a:off x="7446477" y="153351"/>
             <a:ext cx="1548465" cy="417968"/>
           </a:xfrm>
-        </p:spPr>
-        <p:txBody>
-          <a:bodyPr>
-            <a:normAutofit/>
-          </a:bodyPr>
-          <a:lstStyle/>
-          <a:p>
-            <a:r>
-              <a:rPr lang="hu-HU" sz="2000" dirty="0" err="1" smtClean="0">
-                <a:latin typeface="Arial" pitchFamily="34" charset="0"/>
-                <a:cs typeface="Arial" pitchFamily="34" charset="0"/>
-              </a:rPr>
-              <a:t>Helpdesk</a:t>
-            </a:r>
-            <a:endParaRPr lang="hu-HU" sz="2000" dirty="0">
-              <a:latin typeface="Arial" pitchFamily="34" charset="0"/>
-              <a:cs typeface="Arial" pitchFamily="34" charset="0"/>
-            </a:endParaRPr>
-          </a:p>
-        </p:txBody>
-      </p:sp>
-      <p:sp>
-        <p:nvSpPr>
-          <p:cNvPr id="19" name="Alcím 2"/>
-          <p:cNvSpPr txBox="1">
-            <a:spLocks/>
-          </p:cNvSpPr>
-          <p:nvPr/>
-        </p:nvSpPr>
-        <p:spPr>
-          <a:xfrm>
-            <a:off x="409358" y="1859859"/>
-            <a:ext cx="4075012" cy="2757624"/>
-          </a:xfrm>
           <a:prstGeom prst="rect">
             <a:avLst/>
           </a:prstGeom>
         </p:spPr>
         <p:txBody>
-          <a:bodyPr vert="horz" lIns="91440" tIns="45720" rIns="91440" bIns="45720" rtlCol="0">
+          <a:bodyPr vert="horz" lIns="91440" tIns="45720" rIns="91440" bIns="45720" rtlCol="0" anchor="b">
             <a:normAutofit/>
           </a:bodyPr>
           <a:lstStyle/>
           <a:p>
-            <a:pPr marL="0" marR="0" lvl="0" indent="0" defTabSz="914400" rtl="0" eaLnBrk="1" fontAlgn="auto" latinLnBrk="0" hangingPunct="1">
+            <a:pPr marL="0" marR="0" lvl="0" indent="0" algn="ctr" defTabSz="914400" rtl="0" eaLnBrk="1" fontAlgn="auto" latinLnBrk="0" hangingPunct="1">
               <a:lnSpc>
                 <a:spcPct val="90000"/>
               </a:lnSpc>
               <a:spcBef>
-                <a:spcPts val="1000"/>
+                <a:spcPct val="0"/>
               </a:spcBef>
               <a:spcAft>
                 <a:spcPts val="0"/>
               </a:spcAft>
               <a:buClrTx/>
               <a:buSzTx/>
-              <a:buFont typeface="Arial" pitchFamily="34" charset="0"/>
-              <a:buChar char="•"/>
+              <a:buFontTx/>
+              <a:buNone/>
               <a:tabLst/>
               <a:defRPr/>
             </a:pPr>
-            <a:endParaRPr kumimoji="0" lang="hu-HU" sz="2800" b="1" i="0" u="none" strike="noStrike" kern="1200" cap="none" spc="0" normalizeH="0" baseline="0" noProof="0" dirty="0" smtClean="0">
+            <a:r>
+              <a:rPr kumimoji="0" lang="hu-HU" sz="2000" b="0" i="0" u="none" strike="noStrike" kern="1200" cap="none" spc="0" normalizeH="0" baseline="0" noProof="0" smtClean="0">
+                <a:ln>
+                  <a:noFill/>
+                </a:ln>
+                <a:solidFill>
+                  <a:schemeClr val="tx1"/>
+                </a:solidFill>
+                <a:effectLst/>
+                <a:uLnTx/>
+                <a:uFillTx/>
+                <a:latin typeface="+mn-lt"/>
+                <a:ea typeface="+mj-ea"/>
+                <a:cs typeface="Arial" pitchFamily="34" charset="0"/>
+              </a:rPr>
+              <a:t>Helpdesk</a:t>
+            </a:r>
+            <a:endParaRPr kumimoji="0" lang="hu-HU" sz="2000" b="0" i="0" u="none" strike="noStrike" kern="1200" cap="none" spc="0" normalizeH="0" baseline="0" noProof="0" dirty="0">
               <a:ln>
                 <a:noFill/>
               </a:ln>
@@ -4130,85 +4352,8 @@
               <a:effectLst/>
               <a:uLnTx/>
               <a:uFillTx/>
-              <a:ea typeface="+mn-ea"/>
-              <a:cs typeface="+mn-cs"/>
-            </a:endParaRPr>
-          </a:p>
-        </p:txBody>
-      </p:sp>
-      <p:pic>
-        <p:nvPicPr>
-          <p:cNvPr id="5" name="Kép 4" descr="gg.jpg"/>
-          <p:cNvPicPr>
-            <a:picLocks noChangeAspect="1"/>
-          </p:cNvPicPr>
-          <p:nvPr/>
-        </p:nvPicPr>
-        <p:blipFill>
-          <a:blip r:embed="rId3" cstate="print"/>
-          <a:stretch>
-            <a:fillRect/>
-          </a:stretch>
-        </p:blipFill>
-        <p:spPr>
-          <a:xfrm>
-            <a:off x="5715001" y="1378673"/>
-            <a:ext cx="3037660" cy="3037660"/>
-          </a:xfrm>
-          <a:prstGeom prst="rect">
-            <a:avLst/>
-          </a:prstGeom>
-        </p:spPr>
-      </p:pic>
-      <p:sp>
-        <p:nvSpPr>
-          <p:cNvPr id="7" name="Szövegdoboz 6"/>
-          <p:cNvSpPr txBox="1"/>
-          <p:nvPr/>
-        </p:nvSpPr>
-        <p:spPr>
-          <a:xfrm>
-            <a:off x="800101" y="2400300"/>
-            <a:ext cx="4278086" cy="1569660"/>
-          </a:xfrm>
-          <a:prstGeom prst="rect">
-            <a:avLst/>
-          </a:prstGeom>
-          <a:noFill/>
-        </p:spPr>
-        <p:txBody>
-          <a:bodyPr wrap="square" rtlCol="0">
-            <a:spAutoFit/>
-          </a:bodyPr>
-          <a:lstStyle/>
-          <a:p>
-            <a:pPr algn="ctr"/>
-            <a:r>
-              <a:rPr lang="hu-HU" sz="3200" b="1" dirty="0" smtClean="0">
-                <a:latin typeface="Arial" pitchFamily="34" charset="0"/>
-                <a:cs typeface="Arial" pitchFamily="34" charset="0"/>
-              </a:rPr>
-              <a:t>Tóth László</a:t>
-            </a:r>
-          </a:p>
-          <a:p>
-            <a:pPr algn="ctr"/>
-            <a:r>
-              <a:rPr lang="hu-HU" sz="3200" dirty="0" smtClean="0">
-                <a:cs typeface="Arial" pitchFamily="34" charset="0"/>
-              </a:rPr>
-              <a:t>Mérnökinformatikus</a:t>
-            </a:r>
-          </a:p>
-          <a:p>
-            <a:pPr algn="ctr"/>
-            <a:r>
-              <a:rPr lang="hu-HU" sz="3200" dirty="0" err="1" smtClean="0">
-                <a:cs typeface="Arial" pitchFamily="34" charset="0"/>
-              </a:rPr>
-              <a:t>Bsc</a:t>
-            </a:r>
-            <a:endParaRPr lang="hu-HU" sz="3200" dirty="0" smtClean="0">
+              <a:latin typeface="+mn-lt"/>
+              <a:ea typeface="+mj-ea"/>
               <a:cs typeface="Arial" pitchFamily="34" charset="0"/>
             </a:endParaRPr>
           </a:p>
@@ -4235,186 +4380,6 @@
 </file>
 
 <file path=ppt/slides/slide3.xml><?xml version="1.0" encoding="utf-8"?>
-<p:sld xmlns:a="http://schemas.openxmlformats.org/drawingml/2006/main" xmlns:r="http://schemas.openxmlformats.org/officeDocument/2006/relationships" xmlns:p="http://schemas.openxmlformats.org/presentationml/2006/main">
-  <p:cSld>
-    <p:spTree>
-      <p:nvGrpSpPr>
-        <p:cNvPr id="1" name=""/>
-        <p:cNvGrpSpPr/>
-        <p:nvPr/>
-      </p:nvGrpSpPr>
-      <p:grpSpPr>
-        <a:xfrm>
-          <a:off x="0" y="0"/>
-          <a:ext cx="0" cy="0"/>
-          <a:chOff x="0" y="0"/>
-          <a:chExt cx="0" cy="0"/>
-        </a:xfrm>
-      </p:grpSpPr>
-      <p:sp>
-        <p:nvSpPr>
-          <p:cNvPr id="3" name="Cím 1"/>
-          <p:cNvSpPr>
-            <a:spLocks noGrp="1"/>
-          </p:cNvSpPr>
-          <p:nvPr>
-            <p:ph type="ctrTitle"/>
-          </p:nvPr>
-        </p:nvSpPr>
-        <p:spPr>
-          <a:xfrm rot="20544073">
-            <a:off x="7446477" y="153351"/>
-            <a:ext cx="1548465" cy="417968"/>
-          </a:xfrm>
-        </p:spPr>
-        <p:txBody>
-          <a:bodyPr>
-            <a:normAutofit/>
-          </a:bodyPr>
-          <a:lstStyle/>
-          <a:p>
-            <a:r>
-              <a:rPr lang="hu-HU" sz="2000" dirty="0" err="1" smtClean="0">
-                <a:latin typeface="Arial" pitchFamily="34" charset="0"/>
-                <a:cs typeface="Arial" pitchFamily="34" charset="0"/>
-              </a:rPr>
-              <a:t>Helpdesk</a:t>
-            </a:r>
-            <a:endParaRPr lang="hu-HU" sz="2000" dirty="0">
-              <a:latin typeface="Arial" pitchFamily="34" charset="0"/>
-              <a:cs typeface="Arial" pitchFamily="34" charset="0"/>
-            </a:endParaRPr>
-          </a:p>
-        </p:txBody>
-      </p:sp>
-      <p:sp>
-        <p:nvSpPr>
-          <p:cNvPr id="4" name="Szövegdoboz 3"/>
-          <p:cNvSpPr txBox="1"/>
-          <p:nvPr/>
-        </p:nvSpPr>
-        <p:spPr>
-          <a:xfrm>
-            <a:off x="2177143" y="1039584"/>
-            <a:ext cx="5306786" cy="707886"/>
-          </a:xfrm>
-          <a:prstGeom prst="rect">
-            <a:avLst/>
-          </a:prstGeom>
-          <a:noFill/>
-        </p:spPr>
-        <p:txBody>
-          <a:bodyPr wrap="square" rtlCol="0">
-            <a:spAutoFit/>
-          </a:bodyPr>
-          <a:lstStyle/>
-          <a:p>
-            <a:r>
-              <a:rPr lang="hu-HU" sz="4000" b="1" dirty="0" smtClean="0"/>
-              <a:t>Mit vártam a </a:t>
-            </a:r>
-            <a:r>
-              <a:rPr lang="hu-HU" sz="4000" b="1" dirty="0" smtClean="0"/>
-              <a:t>képzéstől?</a:t>
-            </a:r>
-            <a:endParaRPr lang="hu-HU" sz="4000" b="1" dirty="0"/>
-          </a:p>
-        </p:txBody>
-      </p:sp>
-      <p:sp>
-        <p:nvSpPr>
-          <p:cNvPr id="5" name="Szövegdoboz 4"/>
-          <p:cNvSpPr txBox="1"/>
-          <p:nvPr/>
-        </p:nvSpPr>
-        <p:spPr>
-          <a:xfrm>
-            <a:off x="624114" y="2162630"/>
-            <a:ext cx="9144000" cy="1661993"/>
-          </a:xfrm>
-          <a:prstGeom prst="rect">
-            <a:avLst/>
-          </a:prstGeom>
-          <a:noFill/>
-        </p:spPr>
-        <p:txBody>
-          <a:bodyPr wrap="square" rtlCol="0">
-            <a:spAutoFit/>
-          </a:bodyPr>
-          <a:lstStyle/>
-          <a:p>
-            <a:pPr algn="just">
-              <a:buFont typeface="Arial" pitchFamily="34" charset="0"/>
-              <a:buChar char="•"/>
-            </a:pPr>
-            <a:r>
-              <a:rPr lang="hu-HU" sz="2800" dirty="0" smtClean="0"/>
-              <a:t>Új piacképes technológiák megismerése</a:t>
-            </a:r>
-          </a:p>
-          <a:p>
-            <a:pPr algn="just">
-              <a:buFont typeface="Arial" pitchFamily="34" charset="0"/>
-              <a:buChar char="•"/>
-            </a:pPr>
-            <a:r>
-              <a:rPr lang="hu-HU" sz="2800" dirty="0" smtClean="0"/>
-              <a:t>Gyakorlati  tudás </a:t>
-            </a:r>
-          </a:p>
-          <a:p>
-            <a:pPr algn="just">
-              <a:buFont typeface="Arial" pitchFamily="34" charset="0"/>
-              <a:buChar char="•"/>
-            </a:pPr>
-            <a:r>
-              <a:rPr lang="hu-HU" sz="2800" dirty="0" smtClean="0"/>
-              <a:t>Betekintést egy </a:t>
-            </a:r>
-            <a:r>
-              <a:rPr lang="hu-HU" sz="2800" dirty="0" smtClean="0"/>
-              <a:t>szoftver </a:t>
-            </a:r>
-            <a:r>
-              <a:rPr lang="hu-HU" sz="2800" dirty="0" smtClean="0"/>
-              <a:t>fejlesztésének </a:t>
-            </a:r>
-            <a:r>
-              <a:rPr lang="hu-HU" sz="2800" dirty="0" smtClean="0"/>
-              <a:t>folyamatába</a:t>
-            </a:r>
-            <a:endParaRPr lang="hu-HU" sz="2800" dirty="0" smtClean="0"/>
-          </a:p>
-          <a:p>
-            <a:pPr algn="just">
-              <a:buFont typeface="Arial" pitchFamily="34" charset="0"/>
-              <a:buChar char="•"/>
-            </a:pPr>
-            <a:endParaRPr lang="hu-HU" dirty="0"/>
-          </a:p>
-        </p:txBody>
-      </p:sp>
-    </p:spTree>
-    <p:extLst>
-      <p:ext uri="{BB962C8B-B14F-4D97-AF65-F5344CB8AC3E}">
-        <p14:creationId xmlns="" xmlns:p14="http://schemas.microsoft.com/office/powerpoint/2010/main" val="1869678207"/>
-      </p:ext>
-    </p:extLst>
-  </p:cSld>
-  <p:clrMapOvr>
-    <a:masterClrMapping/>
-  </p:clrMapOvr>
-  <p:timing>
-    <p:tnLst>
-      <p:par>
-        <p:cTn id="1" dur="indefinite" restart="never" nodeType="tmRoot"/>
-      </p:par>
-    </p:tnLst>
-  </p:timing>
-</p:sld>
-</file>
-
-<file path=ppt/slides/slide4.xml><?xml version="1.0" encoding="utf-8"?>
 <p:sld xmlns:a="http://schemas.openxmlformats.org/drawingml/2006/main" xmlns:r="http://schemas.openxmlformats.org/officeDocument/2006/relationships" xmlns:p="http://schemas.openxmlformats.org/presentationml/2006/main">
   <p:cSld>
     <p:spTree>
@@ -4467,8 +4432,8 @@
         </p:nvSpPr>
         <p:spPr>
           <a:xfrm>
-            <a:off x="0" y="957941"/>
-            <a:ext cx="8088084" cy="1248229"/>
+            <a:off x="0" y="856344"/>
+            <a:ext cx="7797798" cy="1291770"/>
           </a:xfrm>
         </p:spPr>
         <p:txBody>
@@ -4478,16 +4443,135 @@
           <a:lstStyle/>
           <a:p>
             <a:r>
-              <a:rPr lang="hu-HU" sz="4000" b="1" dirty="0" smtClean="0"/>
-              <a:t>Az egyszerű feladatoktól komplex kihívásokig…</a:t>
-            </a:r>
-            <a:endParaRPr lang="hu-HU" sz="4000" b="1" dirty="0"/>
-          </a:p>
-        </p:txBody>
-      </p:sp>
-      <p:sp>
-        <p:nvSpPr>
-          <p:cNvPr id="7" name="Cím 1"/>
+              <a:rPr lang="hu-HU" sz="4000" b="1" dirty="0" smtClean="0">
+                <a:latin typeface="+mn-lt"/>
+              </a:rPr>
+              <a:t>Az </a:t>
+            </a:r>
+            <a:r>
+              <a:rPr lang="hu-HU" sz="4000" b="1" dirty="0" smtClean="0">
+                <a:latin typeface="+mn-lt"/>
+              </a:rPr>
+              <a:t>egyszerű feladatoktól </a:t>
+            </a:r>
+            <a:r>
+              <a:rPr lang="hu-HU" sz="4000" b="1" dirty="0" smtClean="0">
+                <a:latin typeface="+mn-lt"/>
+              </a:rPr>
+              <a:t>komplex </a:t>
+            </a:r>
+            <a:r>
+              <a:rPr lang="hu-HU" sz="4000" b="1" dirty="0" smtClean="0">
+                <a:latin typeface="+mn-lt"/>
+              </a:rPr>
+              <a:t>kihívásokig</a:t>
+            </a:r>
+            <a:r>
+              <a:rPr lang="hu-HU" sz="4000" b="1" dirty="0" smtClean="0">
+                <a:latin typeface="+mn-lt"/>
+              </a:rPr>
+              <a:t>…</a:t>
+            </a:r>
+            <a:endParaRPr lang="hu-HU" sz="4000" b="1" dirty="0">
+              <a:latin typeface="+mn-lt"/>
+            </a:endParaRPr>
+          </a:p>
+        </p:txBody>
+      </p:sp>
+      <p:sp>
+        <p:nvSpPr>
+          <p:cNvPr id="12" name="Szövegdoboz 11"/>
+          <p:cNvSpPr txBox="1"/>
+          <p:nvPr/>
+        </p:nvSpPr>
+        <p:spPr>
+          <a:xfrm>
+            <a:off x="703943" y="2365829"/>
+            <a:ext cx="4405086" cy="1815882"/>
+          </a:xfrm>
+          <a:prstGeom prst="rect">
+            <a:avLst/>
+          </a:prstGeom>
+          <a:noFill/>
+        </p:spPr>
+        <p:txBody>
+          <a:bodyPr wrap="square" rtlCol="0">
+            <a:spAutoFit/>
+          </a:bodyPr>
+          <a:lstStyle/>
+          <a:p>
+            <a:pPr>
+              <a:buFont typeface="Arial" pitchFamily="34" charset="0"/>
+              <a:buChar char="•"/>
+            </a:pPr>
+            <a:r>
+              <a:rPr lang="hu-HU" sz="2800" dirty="0" smtClean="0"/>
+              <a:t>Entitások </a:t>
+            </a:r>
+            <a:r>
+              <a:rPr lang="hu-HU" sz="2800" dirty="0" smtClean="0"/>
+              <a:t>és </a:t>
+            </a:r>
+            <a:r>
+              <a:rPr lang="hu-HU" sz="2800" dirty="0" err="1" smtClean="0"/>
+              <a:t>repositorik</a:t>
+            </a:r>
+            <a:endParaRPr lang="hu-HU" sz="2800" dirty="0" smtClean="0"/>
+          </a:p>
+          <a:p>
+            <a:pPr>
+              <a:buFont typeface="Arial" pitchFamily="34" charset="0"/>
+              <a:buChar char="•"/>
+            </a:pPr>
+            <a:r>
+              <a:rPr lang="hu-HU" sz="2800" dirty="0" err="1" smtClean="0"/>
+              <a:t>Logolás</a:t>
+            </a:r>
+            <a:endParaRPr lang="hu-HU" sz="2800" dirty="0" smtClean="0"/>
+          </a:p>
+          <a:p>
+            <a:pPr>
+              <a:buFont typeface="Arial" pitchFamily="34" charset="0"/>
+              <a:buChar char="•"/>
+            </a:pPr>
+            <a:r>
+              <a:rPr lang="hu-HU" sz="2800" dirty="0" smtClean="0"/>
+              <a:t>Spring </a:t>
+            </a:r>
+            <a:r>
+              <a:rPr lang="hu-HU" sz="2800" dirty="0" err="1" smtClean="0"/>
+              <a:t>S</a:t>
+            </a:r>
+            <a:r>
+              <a:rPr lang="hu-HU" sz="2800" dirty="0" err="1" smtClean="0"/>
+              <a:t>ecurity</a:t>
+            </a:r>
+            <a:endParaRPr lang="hu-HU" sz="2800" dirty="0" smtClean="0"/>
+          </a:p>
+          <a:p>
+            <a:pPr>
+              <a:buFont typeface="Arial" pitchFamily="34" charset="0"/>
+              <a:buChar char="•"/>
+            </a:pPr>
+            <a:r>
+              <a:rPr lang="hu-HU" sz="2800" dirty="0" err="1" smtClean="0"/>
+              <a:t>Issuetracker</a:t>
+            </a:r>
+            <a:r>
+              <a:rPr lang="hu-HU" sz="2800" dirty="0" smtClean="0"/>
+              <a:t> </a:t>
+            </a:r>
+            <a:r>
+              <a:rPr lang="hu-HU" sz="2800" dirty="0" smtClean="0"/>
+              <a:t>integráció</a:t>
+            </a:r>
+            <a:endParaRPr lang="hu-HU" sz="2800" dirty="0"/>
+          </a:p>
+        </p:txBody>
+      </p:sp>
+      <p:sp>
+        <p:nvSpPr>
+          <p:cNvPr id="6" name="Cím 1"/>
           <p:cNvSpPr txBox="1">
             <a:spLocks/>
           </p:cNvSpPr>
@@ -4536,7 +4620,7 @@
                 <a:effectLst/>
                 <a:uLnTx/>
                 <a:uFillTx/>
-                <a:latin typeface="Arial" pitchFamily="34" charset="0"/>
+                <a:latin typeface="+mn-lt"/>
                 <a:ea typeface="+mj-ea"/>
                 <a:cs typeface="Arial" pitchFamily="34" charset="0"/>
               </a:rPr>
@@ -4552,23 +4636,219 @@
               <a:effectLst/>
               <a:uLnTx/>
               <a:uFillTx/>
-              <a:latin typeface="Arial" pitchFamily="34" charset="0"/>
+              <a:latin typeface="+mn-lt"/>
               <a:ea typeface="+mj-ea"/>
               <a:cs typeface="Arial" pitchFamily="34" charset="0"/>
             </a:endParaRPr>
           </a:p>
         </p:txBody>
       </p:sp>
-      <p:sp>
-        <p:nvSpPr>
-          <p:cNvPr id="12" name="Szövegdoboz 11"/>
+    </p:spTree>
+    <p:extLst>
+      <p:ext uri="{BB962C8B-B14F-4D97-AF65-F5344CB8AC3E}">
+        <p14:creationId xmlns="" xmlns:p14="http://schemas.microsoft.com/office/powerpoint/2010/main" val="1869678207"/>
+      </p:ext>
+    </p:extLst>
+  </p:cSld>
+  <p:clrMapOvr>
+    <a:masterClrMapping/>
+  </p:clrMapOvr>
+  <p:timing>
+    <p:tnLst>
+      <p:par>
+        <p:cTn id="1" dur="indefinite" restart="never" nodeType="tmRoot"/>
+      </p:par>
+    </p:tnLst>
+  </p:timing>
+</p:sld>
+</file>
+
+<file path=ppt/slides/slide4.xml><?xml version="1.0" encoding="utf-8"?>
+<p:sld xmlns:a="http://schemas.openxmlformats.org/drawingml/2006/main" xmlns:r="http://schemas.openxmlformats.org/officeDocument/2006/relationships" xmlns:p="http://schemas.openxmlformats.org/presentationml/2006/main">
+  <p:cSld>
+    <p:spTree>
+      <p:nvGrpSpPr>
+        <p:cNvPr id="1" name=""/>
+        <p:cNvGrpSpPr/>
+        <p:nvPr/>
+      </p:nvGrpSpPr>
+      <p:grpSpPr>
+        <a:xfrm>
+          <a:off x="0" y="0"/>
+          <a:ext cx="0" cy="0"/>
+          <a:chOff x="0" y="0"/>
+          <a:chExt cx="0" cy="0"/>
+        </a:xfrm>
+      </p:grpSpPr>
+      <p:sp>
+        <p:nvSpPr>
+          <p:cNvPr id="5" name="Tartalom helye 2"/>
+          <p:cNvSpPr txBox="1">
+            <a:spLocks/>
+          </p:cNvSpPr>
+          <p:nvPr/>
+        </p:nvSpPr>
+        <p:spPr>
+          <a:xfrm>
+            <a:off x="484221" y="1459630"/>
+            <a:ext cx="5388758" cy="2995637"/>
+          </a:xfrm>
+          <a:prstGeom prst="rect">
+            <a:avLst/>
+          </a:prstGeom>
+        </p:spPr>
+        <p:txBody>
+          <a:bodyPr vert="horz" lIns="91440" tIns="45720" rIns="91440" bIns="45720" rtlCol="0">
+            <a:noAutofit/>
+          </a:bodyPr>
+          <a:lstStyle/>
+          <a:p>
+            <a:pPr marL="0" marR="0" lvl="0" indent="0" defTabSz="914400" rtl="0" eaLnBrk="1" fontAlgn="auto" latinLnBrk="0" hangingPunct="1">
+              <a:lnSpc>
+                <a:spcPct val="90000"/>
+              </a:lnSpc>
+              <a:spcBef>
+                <a:spcPts val="1000"/>
+              </a:spcBef>
+              <a:spcAft>
+                <a:spcPts val="0"/>
+              </a:spcAft>
+              <a:buClrTx/>
+              <a:buSzTx/>
+              <a:buFont typeface="Arial" pitchFamily="34" charset="0"/>
+              <a:buChar char="•"/>
+              <a:tabLst/>
+              <a:defRPr/>
+            </a:pPr>
+            <a:endParaRPr lang="hu-HU" sz="2400" dirty="0" smtClean="0"/>
+          </a:p>
+          <a:p>
+            <a:pPr marL="0" marR="0" lvl="0" indent="0" defTabSz="914400" rtl="0" eaLnBrk="1" fontAlgn="auto" latinLnBrk="0" hangingPunct="1">
+              <a:lnSpc>
+                <a:spcPct val="90000"/>
+              </a:lnSpc>
+              <a:spcBef>
+                <a:spcPts val="1000"/>
+              </a:spcBef>
+              <a:spcAft>
+                <a:spcPts val="0"/>
+              </a:spcAft>
+              <a:buClrTx/>
+              <a:buSzTx/>
+              <a:buFont typeface="Arial" pitchFamily="34" charset="0"/>
+              <a:buChar char="•"/>
+              <a:tabLst/>
+              <a:defRPr/>
+            </a:pPr>
+            <a:endParaRPr lang="hu-HU" sz="2400" dirty="0" smtClean="0"/>
+          </a:p>
+          <a:p>
+            <a:pPr marL="0" marR="0" lvl="0" indent="0" defTabSz="914400" rtl="0" eaLnBrk="1" fontAlgn="auto" latinLnBrk="0" hangingPunct="1">
+              <a:lnSpc>
+                <a:spcPct val="90000"/>
+              </a:lnSpc>
+              <a:spcBef>
+                <a:spcPts val="1000"/>
+              </a:spcBef>
+              <a:spcAft>
+                <a:spcPts val="0"/>
+              </a:spcAft>
+              <a:buClrTx/>
+              <a:buSzTx/>
+              <a:buFont typeface="Arial" pitchFamily="34" charset="0"/>
+              <a:buChar char="•"/>
+              <a:tabLst/>
+              <a:defRPr/>
+            </a:pPr>
+            <a:endParaRPr lang="hu-HU" sz="2400" dirty="0" smtClean="0"/>
+          </a:p>
+          <a:p>
+            <a:pPr marL="0" marR="0" lvl="0" indent="0" defTabSz="914400" rtl="0" eaLnBrk="1" fontAlgn="auto" latinLnBrk="0" hangingPunct="1">
+              <a:lnSpc>
+                <a:spcPct val="90000"/>
+              </a:lnSpc>
+              <a:spcBef>
+                <a:spcPts val="1000"/>
+              </a:spcBef>
+              <a:spcAft>
+                <a:spcPts val="0"/>
+              </a:spcAft>
+              <a:buClrTx/>
+              <a:buSzTx/>
+              <a:buFont typeface="Arial" pitchFamily="34" charset="0"/>
+              <a:buChar char="•"/>
+              <a:tabLst/>
+              <a:defRPr/>
+            </a:pPr>
+            <a:endParaRPr lang="hu-HU" sz="2400" dirty="0" smtClean="0"/>
+          </a:p>
+          <a:p>
+            <a:pPr marL="0" marR="0" lvl="0" indent="0" defTabSz="914400" rtl="0" eaLnBrk="1" fontAlgn="auto" latinLnBrk="0" hangingPunct="1">
+              <a:lnSpc>
+                <a:spcPct val="90000"/>
+              </a:lnSpc>
+              <a:spcBef>
+                <a:spcPts val="1000"/>
+              </a:spcBef>
+              <a:spcAft>
+                <a:spcPts val="0"/>
+              </a:spcAft>
+              <a:buClrTx/>
+              <a:buSzTx/>
+              <a:buFont typeface="Arial" pitchFamily="34" charset="0"/>
+              <a:buChar char="•"/>
+              <a:tabLst/>
+              <a:defRPr/>
+            </a:pPr>
+            <a:endParaRPr lang="hu-HU" sz="2400" baseline="0" dirty="0" smtClean="0"/>
+          </a:p>
+        </p:txBody>
+      </p:sp>
+      <p:sp>
+        <p:nvSpPr>
+          <p:cNvPr id="6" name="Cím 5"/>
+          <p:cNvSpPr>
+            <a:spLocks noGrp="1"/>
+          </p:cNvSpPr>
+          <p:nvPr>
+            <p:ph type="ctrTitle"/>
+          </p:nvPr>
+        </p:nvSpPr>
+        <p:spPr>
+          <a:xfrm>
+            <a:off x="580571" y="870856"/>
+            <a:ext cx="2888343" cy="820057"/>
+          </a:xfrm>
+        </p:spPr>
+        <p:txBody>
+          <a:bodyPr>
+            <a:normAutofit/>
+          </a:bodyPr>
+          <a:lstStyle/>
+          <a:p>
+            <a:pPr algn="l"/>
+            <a:r>
+              <a:rPr lang="hu-HU" sz="4000" b="1" dirty="0" err="1" smtClean="0">
+                <a:latin typeface="+mn-lt"/>
+              </a:rPr>
+              <a:t>Logolás</a:t>
+            </a:r>
+            <a:endParaRPr lang="hu-HU" sz="4000" b="1" dirty="0">
+              <a:latin typeface="+mn-lt"/>
+            </a:endParaRPr>
+          </a:p>
+        </p:txBody>
+      </p:sp>
+      <p:sp>
+        <p:nvSpPr>
+          <p:cNvPr id="8" name="Szövegdoboz 7"/>
           <p:cNvSpPr txBox="1"/>
           <p:nvPr/>
         </p:nvSpPr>
         <p:spPr>
           <a:xfrm>
-            <a:off x="471715" y="2598057"/>
-            <a:ext cx="4405086" cy="1815882"/>
+            <a:off x="738415" y="1832429"/>
+            <a:ext cx="7302500" cy="1815882"/>
           </a:xfrm>
           <a:prstGeom prst="rect">
             <a:avLst/>
@@ -4587,15 +4867,15 @@
             </a:pPr>
             <a:r>
               <a:rPr lang="hu-HU" sz="2800" dirty="0" smtClean="0"/>
-              <a:t>Entitások </a:t>
+              <a:t>SLF4j </a:t>
             </a:r>
             <a:r>
               <a:rPr lang="hu-HU" sz="2800" dirty="0" smtClean="0"/>
-              <a:t>és </a:t>
+              <a:t>+ </a:t>
             </a:r>
             <a:r>
               <a:rPr lang="hu-HU" sz="2800" dirty="0" err="1" smtClean="0"/>
-              <a:t>repositorik</a:t>
+              <a:t>logback</a:t>
             </a:r>
             <a:endParaRPr lang="hu-HU" sz="2800" dirty="0" smtClean="0"/>
           </a:p>
@@ -4605,10 +4885,9 @@
               <a:buChar char="•"/>
             </a:pPr>
             <a:r>
-              <a:rPr lang="hu-HU" sz="2800" dirty="0" err="1" smtClean="0"/>
-              <a:t>Logolás</a:t>
-            </a:r>
-            <a:endParaRPr lang="hu-HU" sz="2800" dirty="0" smtClean="0"/>
+              <a:rPr lang="hu-HU" sz="2800" dirty="0" smtClean="0"/>
+              <a:t>Különböző szintű  események</a:t>
+            </a:r>
           </a:p>
           <a:p>
             <a:pPr>
@@ -4617,17 +4896,8 @@
             </a:pPr>
             <a:r>
               <a:rPr lang="hu-HU" sz="2800" dirty="0" smtClean="0"/>
-              <a:t>Spring </a:t>
-            </a:r>
-            <a:r>
-              <a:rPr lang="hu-HU" sz="2800" dirty="0" err="1" smtClean="0"/>
-              <a:t>S</a:t>
-            </a:r>
-            <a:r>
-              <a:rPr lang="hu-HU" sz="2800" dirty="0" err="1" smtClean="0"/>
-              <a:t>ecurity</a:t>
-            </a:r>
-            <a:endParaRPr lang="hu-HU" sz="2800" dirty="0" smtClean="0"/>
+              <a:t>Fájlok maximális mérete</a:t>
+            </a:r>
           </a:p>
           <a:p>
             <a:pPr>
@@ -4636,24 +4906,122 @@
             </a:pPr>
             <a:r>
               <a:rPr lang="hu-HU" sz="2800" dirty="0" err="1" smtClean="0"/>
-              <a:t>Issuetracker</a:t>
+              <a:t>Wildfly</a:t>
             </a:r>
             <a:r>
               <a:rPr lang="hu-HU" sz="2800" dirty="0" smtClean="0"/>
-              <a:t> </a:t>
-            </a:r>
-            <a:r>
-              <a:rPr lang="hu-HU" sz="2800" dirty="0" smtClean="0"/>
-              <a:t>integráció</a:t>
+              <a:t> és a </a:t>
+            </a:r>
+            <a:r>
+              <a:rPr lang="hu-HU" sz="2800" dirty="0" err="1" smtClean="0"/>
+              <a:t>logolás</a:t>
             </a:r>
             <a:endParaRPr lang="hu-HU" sz="2800" dirty="0"/>
           </a:p>
         </p:txBody>
       </p:sp>
+      <p:sp>
+        <p:nvSpPr>
+          <p:cNvPr id="9" name="Cím 1"/>
+          <p:cNvSpPr txBox="1">
+            <a:spLocks/>
+          </p:cNvSpPr>
+          <p:nvPr/>
+        </p:nvSpPr>
+        <p:spPr>
+          <a:xfrm rot="20544073">
+            <a:off x="7446477" y="153351"/>
+            <a:ext cx="1548465" cy="417968"/>
+          </a:xfrm>
+          <a:prstGeom prst="rect">
+            <a:avLst/>
+          </a:prstGeom>
+        </p:spPr>
+        <p:txBody>
+          <a:bodyPr vert="horz" lIns="91440" tIns="45720" rIns="91440" bIns="45720" rtlCol="0" anchor="b">
+            <a:normAutofit/>
+          </a:bodyPr>
+          <a:lstStyle/>
+          <a:p>
+            <a:pPr marL="0" marR="0" lvl="0" indent="0" algn="ctr" defTabSz="914400" rtl="0" eaLnBrk="1" fontAlgn="auto" latinLnBrk="0" hangingPunct="1">
+              <a:lnSpc>
+                <a:spcPct val="90000"/>
+              </a:lnSpc>
+              <a:spcBef>
+                <a:spcPct val="0"/>
+              </a:spcBef>
+              <a:spcAft>
+                <a:spcPts val="0"/>
+              </a:spcAft>
+              <a:buClrTx/>
+              <a:buSzTx/>
+              <a:buFontTx/>
+              <a:buNone/>
+              <a:tabLst/>
+              <a:defRPr/>
+            </a:pPr>
+            <a:r>
+              <a:rPr kumimoji="0" lang="hu-HU" sz="2000" b="0" i="0" u="none" strike="noStrike" kern="1200" cap="none" spc="0" normalizeH="0" baseline="0" noProof="0" dirty="0" err="1" smtClean="0">
+                <a:ln>
+                  <a:noFill/>
+                </a:ln>
+                <a:solidFill>
+                  <a:schemeClr val="tx1"/>
+                </a:solidFill>
+                <a:effectLst/>
+                <a:uLnTx/>
+                <a:uFillTx/>
+                <a:latin typeface="+mn-lt"/>
+                <a:ea typeface="+mj-ea"/>
+                <a:cs typeface="Arial" pitchFamily="34" charset="0"/>
+              </a:rPr>
+              <a:t>Helpdesk</a:t>
+            </a:r>
+            <a:endParaRPr kumimoji="0" lang="hu-HU" sz="2000" b="0" i="0" u="none" strike="noStrike" kern="1200" cap="none" spc="0" normalizeH="0" baseline="0" noProof="0" dirty="0">
+              <a:ln>
+                <a:noFill/>
+              </a:ln>
+              <a:solidFill>
+                <a:schemeClr val="tx1"/>
+              </a:solidFill>
+              <a:effectLst/>
+              <a:uLnTx/>
+              <a:uFillTx/>
+              <a:latin typeface="+mn-lt"/>
+              <a:ea typeface="+mj-ea"/>
+              <a:cs typeface="Arial" pitchFamily="34" charset="0"/>
+            </a:endParaRPr>
+          </a:p>
+        </p:txBody>
+      </p:sp>
+      <p:pic>
+        <p:nvPicPr>
+          <p:cNvPr id="10" name="Kép 9" descr="error.jpg"/>
+          <p:cNvPicPr>
+            <a:picLocks noChangeAspect="1"/>
+          </p:cNvPicPr>
+          <p:nvPr/>
+        </p:nvPicPr>
+        <p:blipFill>
+          <a:blip r:embed="rId3"/>
+          <a:stretch>
+            <a:fillRect/>
+          </a:stretch>
+        </p:blipFill>
+        <p:spPr>
+          <a:xfrm>
+            <a:off x="5416031" y="1611086"/>
+            <a:ext cx="3636488" cy="2307771"/>
+          </a:xfrm>
+          <a:prstGeom prst="rect">
+            <a:avLst/>
+          </a:prstGeom>
+        </p:spPr>
+      </p:pic>
     </p:spTree>
     <p:extLst>
       <p:ext uri="{BB962C8B-B14F-4D97-AF65-F5344CB8AC3E}">
-        <p14:creationId xmlns="" xmlns:p14="http://schemas.microsoft.com/office/powerpoint/2010/main" val="1869678207"/>
+        <p14:creationId xmlns="" xmlns:p14="http://schemas.microsoft.com/office/powerpoint/2010/main" val="2025365091"/>
       </p:ext>
     </p:extLst>
   </p:cSld>
@@ -4689,158 +5057,131 @@
       </p:grpSpPr>
       <p:sp>
         <p:nvSpPr>
-          <p:cNvPr id="5" name="Tartalom helye 2"/>
-          <p:cNvSpPr txBox="1">
-            <a:spLocks/>
-          </p:cNvSpPr>
-          <p:nvPr/>
+          <p:cNvPr id="2" name="Cím 1"/>
+          <p:cNvSpPr>
+            <a:spLocks noGrp="1"/>
+          </p:cNvSpPr>
+          <p:nvPr>
+            <p:ph type="title"/>
+          </p:nvPr>
         </p:nvSpPr>
         <p:spPr>
           <a:xfrm>
-            <a:off x="484221" y="1459630"/>
-            <a:ext cx="5388758" cy="2995637"/>
+            <a:off x="348342" y="832645"/>
+            <a:ext cx="4049486" cy="994172"/>
+          </a:xfrm>
+        </p:spPr>
+        <p:txBody>
+          <a:bodyPr/>
+          <a:lstStyle/>
+          <a:p>
+            <a:r>
+              <a:rPr lang="hu-HU" sz="4000" b="1" dirty="0" smtClean="0">
+                <a:latin typeface="+mn-lt"/>
+              </a:rPr>
+              <a:t>Spring</a:t>
+            </a:r>
+            <a:r>
+              <a:rPr lang="hu-HU" b="1" dirty="0" smtClean="0"/>
+              <a:t> </a:t>
+            </a:r>
+            <a:r>
+              <a:rPr lang="hu-HU" sz="4000" b="1" dirty="0" err="1" smtClean="0">
+                <a:latin typeface="+mn-lt"/>
+              </a:rPr>
+              <a:t>Security</a:t>
+            </a:r>
+            <a:endParaRPr lang="hu-HU" sz="4000" b="1" dirty="0">
+              <a:latin typeface="+mn-lt"/>
+            </a:endParaRPr>
+          </a:p>
+        </p:txBody>
+      </p:sp>
+      <p:sp>
+        <p:nvSpPr>
+          <p:cNvPr id="3" name="Tartalom helye 2"/>
+          <p:cNvSpPr>
+            <a:spLocks noGrp="1"/>
+          </p:cNvSpPr>
+          <p:nvPr>
+            <p:ph idx="1"/>
+          </p:nvPr>
+        </p:nvSpPr>
+        <p:spPr>
+          <a:xfrm>
+            <a:off x="669470" y="2008413"/>
+            <a:ext cx="7845879" cy="2624309"/>
+          </a:xfrm>
+        </p:spPr>
+        <p:txBody>
+          <a:bodyPr/>
+          <a:lstStyle/>
+          <a:p>
+            <a:r>
+              <a:rPr lang="hu-HU" dirty="0" err="1" smtClean="0"/>
+              <a:t>AuthenticationProvider</a:t>
+            </a:r>
+            <a:r>
+              <a:rPr lang="hu-HU" dirty="0" smtClean="0"/>
+              <a:t> </a:t>
+            </a:r>
+            <a:r>
+              <a:rPr lang="hu-HU" dirty="0" err="1" smtClean="0"/>
+              <a:t>vs</a:t>
+            </a:r>
+            <a:r>
+              <a:rPr lang="hu-HU" dirty="0" smtClean="0"/>
+              <a:t> </a:t>
+            </a:r>
+            <a:r>
+              <a:rPr lang="hu-HU" dirty="0" err="1" smtClean="0"/>
+              <a:t>UserDetailsService</a:t>
+            </a:r>
+            <a:endParaRPr lang="hu-HU" dirty="0" smtClean="0"/>
+          </a:p>
+          <a:p>
+            <a:r>
+              <a:rPr lang="hu-HU" dirty="0" smtClean="0"/>
+              <a:t>Plusz </a:t>
+            </a:r>
+            <a:r>
+              <a:rPr lang="hu-HU" dirty="0" smtClean="0"/>
+              <a:t>adatok egy felhasználóhoz </a:t>
+            </a:r>
+            <a:endParaRPr lang="hu-HU" dirty="0" smtClean="0"/>
+          </a:p>
+          <a:p>
+            <a:endParaRPr lang="hu-HU" dirty="0" smtClean="0"/>
+          </a:p>
+          <a:p>
+            <a:endParaRPr lang="hu-HU" dirty="0"/>
+          </a:p>
+        </p:txBody>
+      </p:sp>
+      <p:pic>
+        <p:nvPicPr>
+          <p:cNvPr id="6" name="Kép 5" descr="images.jpg"/>
+          <p:cNvPicPr>
+            <a:picLocks noChangeAspect="1"/>
+          </p:cNvPicPr>
+          <p:nvPr/>
+        </p:nvPicPr>
+        <p:blipFill>
+          <a:blip r:embed="rId3"/>
+          <a:stretch>
+            <a:fillRect/>
+          </a:stretch>
+        </p:blipFill>
+        <p:spPr>
+          <a:xfrm>
+            <a:off x="5327197" y="2907619"/>
+            <a:ext cx="3105150" cy="1476375"/>
           </a:xfrm>
           <a:prstGeom prst="rect">
             <a:avLst/>
           </a:prstGeom>
         </p:spPr>
-        <p:txBody>
-          <a:bodyPr vert="horz" lIns="91440" tIns="45720" rIns="91440" bIns="45720" rtlCol="0">
-            <a:noAutofit/>
-          </a:bodyPr>
-          <a:lstStyle/>
-          <a:p>
-            <a:pPr marL="0" marR="0" lvl="0" indent="0" defTabSz="914400" rtl="0" eaLnBrk="1" fontAlgn="auto" latinLnBrk="0" hangingPunct="1">
-              <a:lnSpc>
-                <a:spcPct val="90000"/>
-              </a:lnSpc>
-              <a:spcBef>
-                <a:spcPts val="1000"/>
-              </a:spcBef>
-              <a:spcAft>
-                <a:spcPts val="0"/>
-              </a:spcAft>
-              <a:buClrTx/>
-              <a:buSzTx/>
-              <a:buFont typeface="Arial" pitchFamily="34" charset="0"/>
-              <a:buChar char="•"/>
-              <a:tabLst/>
-              <a:defRPr/>
-            </a:pPr>
-            <a:endParaRPr lang="hu-HU" sz="2400" dirty="0" smtClean="0"/>
-          </a:p>
-          <a:p>
-            <a:pPr marL="0" marR="0" lvl="0" indent="0" defTabSz="914400" rtl="0" eaLnBrk="1" fontAlgn="auto" latinLnBrk="0" hangingPunct="1">
-              <a:lnSpc>
-                <a:spcPct val="90000"/>
-              </a:lnSpc>
-              <a:spcBef>
-                <a:spcPts val="1000"/>
-              </a:spcBef>
-              <a:spcAft>
-                <a:spcPts val="0"/>
-              </a:spcAft>
-              <a:buClrTx/>
-              <a:buSzTx/>
-              <a:buFont typeface="Arial" pitchFamily="34" charset="0"/>
-              <a:buChar char="•"/>
-              <a:tabLst/>
-              <a:defRPr/>
-            </a:pPr>
-            <a:endParaRPr lang="hu-HU" sz="2400" dirty="0" smtClean="0"/>
-          </a:p>
-          <a:p>
-            <a:pPr marL="0" marR="0" lvl="0" indent="0" defTabSz="914400" rtl="0" eaLnBrk="1" fontAlgn="auto" latinLnBrk="0" hangingPunct="1">
-              <a:lnSpc>
-                <a:spcPct val="90000"/>
-              </a:lnSpc>
-              <a:spcBef>
-                <a:spcPts val="1000"/>
-              </a:spcBef>
-              <a:spcAft>
-                <a:spcPts val="0"/>
-              </a:spcAft>
-              <a:buClrTx/>
-              <a:buSzTx/>
-              <a:buFont typeface="Arial" pitchFamily="34" charset="0"/>
-              <a:buChar char="•"/>
-              <a:tabLst/>
-              <a:defRPr/>
-            </a:pPr>
-            <a:endParaRPr lang="hu-HU" sz="2400" dirty="0" smtClean="0"/>
-          </a:p>
-          <a:p>
-            <a:pPr marL="0" marR="0" lvl="0" indent="0" defTabSz="914400" rtl="0" eaLnBrk="1" fontAlgn="auto" latinLnBrk="0" hangingPunct="1">
-              <a:lnSpc>
-                <a:spcPct val="90000"/>
-              </a:lnSpc>
-              <a:spcBef>
-                <a:spcPts val="1000"/>
-              </a:spcBef>
-              <a:spcAft>
-                <a:spcPts val="0"/>
-              </a:spcAft>
-              <a:buClrTx/>
-              <a:buSzTx/>
-              <a:buFont typeface="Arial" pitchFamily="34" charset="0"/>
-              <a:buChar char="•"/>
-              <a:tabLst/>
-              <a:defRPr/>
-            </a:pPr>
-            <a:endParaRPr lang="hu-HU" sz="2400" dirty="0" smtClean="0"/>
-          </a:p>
-          <a:p>
-            <a:pPr marL="0" marR="0" lvl="0" indent="0" defTabSz="914400" rtl="0" eaLnBrk="1" fontAlgn="auto" latinLnBrk="0" hangingPunct="1">
-              <a:lnSpc>
-                <a:spcPct val="90000"/>
-              </a:lnSpc>
-              <a:spcBef>
-                <a:spcPts val="1000"/>
-              </a:spcBef>
-              <a:spcAft>
-                <a:spcPts val="0"/>
-              </a:spcAft>
-              <a:buClrTx/>
-              <a:buSzTx/>
-              <a:buFont typeface="Arial" pitchFamily="34" charset="0"/>
-              <a:buChar char="•"/>
-              <a:tabLst/>
-              <a:defRPr/>
-            </a:pPr>
-            <a:endParaRPr lang="hu-HU" sz="2400" baseline="0" dirty="0" smtClean="0"/>
-          </a:p>
-        </p:txBody>
-      </p:sp>
-      <p:sp>
-        <p:nvSpPr>
-          <p:cNvPr id="6" name="Cím 5"/>
-          <p:cNvSpPr>
-            <a:spLocks noGrp="1"/>
-          </p:cNvSpPr>
-          <p:nvPr>
-            <p:ph type="ctrTitle"/>
-          </p:nvPr>
-        </p:nvSpPr>
-        <p:spPr>
-          <a:xfrm>
-            <a:off x="2378527" y="1045029"/>
-            <a:ext cx="4298044" cy="820057"/>
-          </a:xfrm>
-        </p:spPr>
-        <p:txBody>
-          <a:bodyPr>
-            <a:normAutofit fontScale="90000"/>
-          </a:bodyPr>
-          <a:lstStyle/>
-          <a:p>
-            <a:r>
-              <a:rPr lang="hu-HU" b="1" dirty="0" err="1" smtClean="0"/>
-              <a:t>Logolás</a:t>
-            </a:r>
-            <a:endParaRPr lang="hu-HU" b="1" dirty="0"/>
-          </a:p>
-        </p:txBody>
-      </p:sp>
+      </p:pic>
       <p:sp>
         <p:nvSpPr>
           <p:cNvPr id="7" name="Cím 1"/>
@@ -4892,9 +5233,9 @@
                 <a:effectLst/>
                 <a:uLnTx/>
                 <a:uFillTx/>
-                <a:latin typeface="Algerian" pitchFamily="82" charset="0"/>
+                <a:latin typeface="+mn-lt"/>
                 <a:ea typeface="+mj-ea"/>
-                <a:cs typeface="+mj-cs"/>
+                <a:cs typeface="Arial" pitchFamily="34" charset="0"/>
               </a:rPr>
               <a:t>Helpdesk</a:t>
             </a:r>
@@ -4908,96 +5249,14 @@
               <a:effectLst/>
               <a:uLnTx/>
               <a:uFillTx/>
-              <a:latin typeface="Algerian" pitchFamily="82" charset="0"/>
+              <a:latin typeface="+mn-lt"/>
               <a:ea typeface="+mj-ea"/>
-              <a:cs typeface="+mj-cs"/>
+              <a:cs typeface="Arial" pitchFamily="34" charset="0"/>
             </a:endParaRPr>
           </a:p>
         </p:txBody>
       </p:sp>
-      <p:sp>
-        <p:nvSpPr>
-          <p:cNvPr id="8" name="Szövegdoboz 7"/>
-          <p:cNvSpPr txBox="1"/>
-          <p:nvPr/>
-        </p:nvSpPr>
-        <p:spPr>
-          <a:xfrm>
-            <a:off x="1391557" y="2151743"/>
-            <a:ext cx="7302500" cy="1815882"/>
-          </a:xfrm>
-          <a:prstGeom prst="rect">
-            <a:avLst/>
-          </a:prstGeom>
-          <a:noFill/>
-        </p:spPr>
-        <p:txBody>
-          <a:bodyPr wrap="square" rtlCol="0">
-            <a:spAutoFit/>
-          </a:bodyPr>
-          <a:lstStyle/>
-          <a:p>
-            <a:pPr>
-              <a:buFont typeface="Arial" pitchFamily="34" charset="0"/>
-              <a:buChar char="•"/>
-            </a:pPr>
-            <a:r>
-              <a:rPr lang="hu-HU" sz="2800" dirty="0" smtClean="0"/>
-              <a:t>SL4j + </a:t>
-            </a:r>
-            <a:r>
-              <a:rPr lang="hu-HU" sz="2800" dirty="0" err="1" smtClean="0"/>
-              <a:t>logback</a:t>
-            </a:r>
-            <a:endParaRPr lang="hu-HU" sz="2800" dirty="0" smtClean="0"/>
-          </a:p>
-          <a:p>
-            <a:pPr>
-              <a:buFont typeface="Arial" pitchFamily="34" charset="0"/>
-              <a:buChar char="•"/>
-            </a:pPr>
-            <a:r>
-              <a:rPr lang="hu-HU" sz="2800" dirty="0" smtClean="0"/>
-              <a:t>Különböző szintű  események</a:t>
-            </a:r>
-          </a:p>
-          <a:p>
-            <a:pPr>
-              <a:buFont typeface="Arial" pitchFamily="34" charset="0"/>
-              <a:buChar char="•"/>
-            </a:pPr>
-            <a:r>
-              <a:rPr lang="hu-HU" sz="2800" dirty="0" smtClean="0"/>
-              <a:t>Fájlok maximális mérete</a:t>
-            </a:r>
-          </a:p>
-          <a:p>
-            <a:pPr>
-              <a:buFont typeface="Arial" pitchFamily="34" charset="0"/>
-              <a:buChar char="•"/>
-            </a:pPr>
-            <a:r>
-              <a:rPr lang="hu-HU" sz="2800" dirty="0" err="1" smtClean="0"/>
-              <a:t>Wildfly</a:t>
-            </a:r>
-            <a:r>
-              <a:rPr lang="hu-HU" sz="2800" dirty="0" smtClean="0"/>
-              <a:t> és a </a:t>
-            </a:r>
-            <a:r>
-              <a:rPr lang="hu-HU" sz="2800" dirty="0" err="1" smtClean="0"/>
-              <a:t>logolás</a:t>
-            </a:r>
-            <a:endParaRPr lang="hu-HU" sz="2800" dirty="0"/>
-          </a:p>
-        </p:txBody>
-      </p:sp>
     </p:spTree>
-    <p:extLst>
-      <p:ext uri="{BB962C8B-B14F-4D97-AF65-F5344CB8AC3E}">
-        <p14:creationId xmlns="" xmlns:p14="http://schemas.microsoft.com/office/powerpoint/2010/main" val="2025365091"/>
-      </p:ext>
-    </p:extLst>
   </p:cSld>
   <p:clrMapOvr>
     <a:masterClrMapping/>
@@ -5041,23 +5300,37 @@
         </p:nvSpPr>
         <p:spPr>
           <a:xfrm>
-            <a:off x="628650" y="731045"/>
-            <a:ext cx="7886700" cy="994172"/>
+            <a:off x="385535" y="997856"/>
+            <a:ext cx="7886700" cy="598546"/>
           </a:xfrm>
         </p:spPr>
         <p:txBody>
-          <a:bodyPr/>
-          <a:lstStyle/>
-          <a:p>
-            <a:r>
-              <a:rPr lang="hu-HU" b="1" dirty="0" smtClean="0"/>
-              <a:t>Spring </a:t>
-            </a:r>
-            <a:r>
-              <a:rPr lang="hu-HU" b="1" dirty="0" err="1" smtClean="0"/>
-              <a:t>Security</a:t>
-            </a:r>
-            <a:endParaRPr lang="hu-HU" b="1" dirty="0"/>
+          <a:bodyPr>
+            <a:normAutofit fontScale="90000"/>
+          </a:bodyPr>
+          <a:lstStyle/>
+          <a:p>
+            <a:r>
+              <a:rPr lang="hu-HU" b="1" dirty="0" err="1" smtClean="0">
+                <a:latin typeface="+mn-lt"/>
+              </a:rPr>
+              <a:t>Issuetracker</a:t>
+            </a:r>
+            <a:r>
+              <a:rPr lang="hu-HU" b="1" dirty="0" smtClean="0">
+                <a:latin typeface="+mn-lt"/>
+              </a:rPr>
+              <a:t> </a:t>
+            </a:r>
+            <a:r>
+              <a:rPr lang="hu-HU" b="1" dirty="0" smtClean="0">
+                <a:latin typeface="+mn-lt"/>
+              </a:rPr>
+              <a:t>integráció</a:t>
+            </a:r>
+            <a:endParaRPr lang="hu-HU" b="1" dirty="0">
+              <a:latin typeface="+mn-lt"/>
+            </a:endParaRPr>
           </a:p>
         </p:txBody>
       </p:sp>
@@ -5073,41 +5346,81 @@
         </p:nvSpPr>
         <p:spPr>
           <a:xfrm>
-            <a:off x="669470" y="2008413"/>
-            <a:ext cx="7845879" cy="2624309"/>
+            <a:off x="923471" y="1888670"/>
+            <a:ext cx="7886700" cy="2656966"/>
           </a:xfrm>
         </p:spPr>
         <p:txBody>
-          <a:bodyPr/>
+          <a:bodyPr>
+            <a:normAutofit/>
+          </a:bodyPr>
           <a:lstStyle/>
           <a:p>
             <a:r>
               <a:rPr lang="hu-HU" dirty="0" smtClean="0"/>
-              <a:t>A Login </a:t>
-            </a:r>
+              <a:t>Folyamatos kapcsolat tartás</a:t>
+            </a:r>
+          </a:p>
+          <a:p>
             <a:r>
               <a:rPr lang="hu-HU" dirty="0" smtClean="0"/>
-              <a:t>információkat más csapat tárolta</a:t>
+              <a:t>Használt technológiák megvitatása</a:t>
             </a:r>
           </a:p>
           <a:p>
             <a:r>
               <a:rPr lang="hu-HU" dirty="0" smtClean="0"/>
-              <a:t>Plusz </a:t>
+              <a:t>Hibajegyek</a:t>
             </a:r>
             <a:r>
               <a:rPr lang="hu-HU" dirty="0" smtClean="0"/>
-              <a:t>adatok egy felhasználóhoz</a:t>
-            </a:r>
-          </a:p>
-          <a:p>
+              <a:t> </a:t>
+            </a:r>
+            <a:r>
+              <a:rPr lang="hu-HU" dirty="0" smtClean="0"/>
+              <a:t>felvétele</a:t>
+            </a:r>
+          </a:p>
+          <a:p>
+            <a:r>
+              <a:rPr lang="hu-HU" dirty="0" smtClean="0"/>
+              <a:t>Statisztikák </a:t>
+            </a:r>
+            <a:r>
+              <a:rPr lang="hu-HU" dirty="0" smtClean="0"/>
+              <a:t>megjelenítése</a:t>
+            </a:r>
             <a:endParaRPr lang="hu-HU" dirty="0"/>
           </a:p>
         </p:txBody>
       </p:sp>
-      <p:sp>
-        <p:nvSpPr>
-          <p:cNvPr id="4" name="Cím 1"/>
+      <p:pic>
+        <p:nvPicPr>
+          <p:cNvPr id="5" name="Kép 4" descr="collaboration.jpg"/>
+          <p:cNvPicPr>
+            <a:picLocks noChangeAspect="1"/>
+          </p:cNvPicPr>
+          <p:nvPr/>
+        </p:nvPicPr>
+        <p:blipFill>
+          <a:blip r:embed="rId2"/>
+          <a:stretch>
+            <a:fillRect/>
+          </a:stretch>
+        </p:blipFill>
+        <p:spPr>
+          <a:xfrm>
+            <a:off x="6052457" y="1534315"/>
+            <a:ext cx="2668814" cy="2656458"/>
+          </a:xfrm>
+          <a:prstGeom prst="rect">
+            <a:avLst/>
+          </a:prstGeom>
+        </p:spPr>
+      </p:pic>
+      <p:sp>
+        <p:nvSpPr>
+          <p:cNvPr id="6" name="Cím 1"/>
           <p:cNvSpPr txBox="1">
             <a:spLocks/>
           </p:cNvSpPr>
@@ -5156,7 +5469,7 @@
                 <a:effectLst/>
                 <a:uLnTx/>
                 <a:uFillTx/>
-                <a:latin typeface="Arial" pitchFamily="34" charset="0"/>
+                <a:latin typeface="+mn-lt"/>
                 <a:ea typeface="+mj-ea"/>
                 <a:cs typeface="Arial" pitchFamily="34" charset="0"/>
               </a:rPr>
@@ -5172,7 +5485,7 @@
               <a:effectLst/>
               <a:uLnTx/>
               <a:uFillTx/>
-              <a:latin typeface="Arial" pitchFamily="34" charset="0"/>
+              <a:latin typeface="+mn-lt"/>
               <a:ea typeface="+mj-ea"/>
               <a:cs typeface="Arial" pitchFamily="34" charset="0"/>
             </a:endParaRPr>
@@ -5211,58 +5524,80 @@
           <a:chExt cx="0" cy="0"/>
         </a:xfrm>
       </p:grpSpPr>
-      <p:sp>
-        <p:nvSpPr>
-          <p:cNvPr id="2" name="Cím 1"/>
-          <p:cNvSpPr>
-            <a:spLocks noGrp="1"/>
-          </p:cNvSpPr>
-          <p:nvPr>
-            <p:ph type="title"/>
-          </p:nvPr>
-        </p:nvSpPr>
+      <p:pic>
+        <p:nvPicPr>
+          <p:cNvPr id="15" name="Kép 14"/>
+          <p:cNvPicPr>
+            <a:picLocks noChangeAspect="1"/>
+          </p:cNvPicPr>
+          <p:nvPr/>
+        </p:nvPicPr>
+        <p:blipFill>
+          <a:blip r:embed="rId3">
+            <a:extLst>
+              <a:ext uri="{28A0092B-C50C-407E-A947-70E740481C1C}">
+                <a14:useLocalDpi xmlns:a14="http://schemas.microsoft.com/office/drawing/2010/main" xmlns="" val="0"/>
+              </a:ext>
+            </a:extLst>
+          </a:blip>
+          <a:stretch>
+            <a:fillRect/>
+          </a:stretch>
+        </p:blipFill>
         <p:spPr>
           <a:xfrm>
-            <a:off x="661307" y="1142999"/>
-            <a:ext cx="7886700" cy="598546"/>
+            <a:off x="5512082" y="3831771"/>
+            <a:ext cx="2230986" cy="1115493"/>
           </a:xfrm>
+          <a:prstGeom prst="rect">
+            <a:avLst/>
+          </a:prstGeom>
         </p:spPr>
-        <p:txBody>
-          <a:bodyPr>
-            <a:normAutofit fontScale="90000"/>
-          </a:bodyPr>
-          <a:lstStyle/>
-          <a:p>
-            <a:r>
-              <a:rPr lang="hu-HU" b="1" dirty="0" err="1" smtClean="0"/>
-              <a:t>Issuetracker</a:t>
-            </a:r>
-            <a:r>
-              <a:rPr lang="hu-HU" b="1" dirty="0" smtClean="0"/>
-              <a:t> </a:t>
-            </a:r>
-            <a:r>
-              <a:rPr lang="hu-HU" b="1" dirty="0" smtClean="0"/>
-              <a:t>integráció</a:t>
-            </a:r>
-            <a:endParaRPr lang="hu-HU" b="1" dirty="0"/>
-          </a:p>
-        </p:txBody>
-      </p:sp>
-      <p:sp>
-        <p:nvSpPr>
-          <p:cNvPr id="3" name="Tartalom helye 2"/>
-          <p:cNvSpPr>
-            <a:spLocks noGrp="1"/>
-          </p:cNvSpPr>
-          <p:nvPr>
-            <p:ph idx="1"/>
-          </p:nvPr>
-        </p:nvSpPr>
+      </p:pic>
+      <p:pic>
+        <p:nvPicPr>
+          <p:cNvPr id="6" name="Kép 5"/>
+          <p:cNvPicPr>
+            <a:picLocks noChangeAspect="1"/>
+          </p:cNvPicPr>
+          <p:nvPr/>
+        </p:nvPicPr>
+        <p:blipFill>
+          <a:blip r:embed="rId4">
+            <a:extLst>
+              <a:ext uri="{28A0092B-C50C-407E-A947-70E740481C1C}">
+                <a14:useLocalDpi xmlns:a14="http://schemas.microsoft.com/office/drawing/2010/main" xmlns="" val="0"/>
+              </a:ext>
+            </a:extLst>
+          </a:blip>
+          <a:stretch>
+            <a:fillRect/>
+          </a:stretch>
+        </p:blipFill>
         <p:spPr>
           <a:xfrm>
-            <a:off x="1257300" y="1961242"/>
-            <a:ext cx="7886700" cy="2656966"/>
+            <a:off x="2369472" y="3701143"/>
+            <a:ext cx="2005139" cy="1173550"/>
+          </a:xfrm>
+          <a:prstGeom prst="rect">
+            <a:avLst/>
+          </a:prstGeom>
+        </p:spPr>
+      </p:pic>
+      <p:sp>
+        <p:nvSpPr>
+          <p:cNvPr id="2" name="Cím 1"/>
+          <p:cNvSpPr>
+            <a:spLocks noGrp="1"/>
+          </p:cNvSpPr>
+          <p:nvPr>
+            <p:ph type="title"/>
+          </p:nvPr>
+        </p:nvSpPr>
+        <p:spPr>
+          <a:xfrm>
+            <a:off x="563336" y="714716"/>
+            <a:ext cx="7886700" cy="994172"/>
           </a:xfrm>
         </p:spPr>
         <p:txBody>
@@ -5272,46 +5607,146 @@
           <a:lstStyle/>
           <a:p>
             <a:r>
+              <a:rPr lang="hu-HU" sz="4000" b="1" dirty="0" smtClean="0">
+                <a:latin typeface="+mn-lt"/>
+              </a:rPr>
+              <a:t>Am</a:t>
+            </a:r>
+            <a:r>
+              <a:rPr lang="hu-HU" sz="4000" b="1" dirty="0" smtClean="0">
+                <a:latin typeface="+mn-lt"/>
+              </a:rPr>
+              <a:t>it a képzéstől kaptam:</a:t>
+            </a:r>
+            <a:endParaRPr lang="hu-HU" sz="4000" b="1" dirty="0">
+              <a:latin typeface="+mn-lt"/>
+            </a:endParaRPr>
+          </a:p>
+        </p:txBody>
+      </p:sp>
+      <p:sp>
+        <p:nvSpPr>
+          <p:cNvPr id="3" name="Tartalom helye 2"/>
+          <p:cNvSpPr>
+            <a:spLocks noGrp="1"/>
+          </p:cNvSpPr>
+          <p:nvPr>
+            <p:ph idx="1"/>
+          </p:nvPr>
+        </p:nvSpPr>
+        <p:spPr>
+          <a:xfrm>
+            <a:off x="875394" y="1710872"/>
+            <a:ext cx="7886700" cy="2689622"/>
+          </a:xfrm>
+        </p:spPr>
+        <p:txBody>
+          <a:bodyPr/>
+          <a:lstStyle/>
+          <a:p>
+            <a:r>
               <a:rPr lang="hu-HU" dirty="0" smtClean="0"/>
-              <a:t>Folyamatos kapcsolat tartás</a:t>
+              <a:t>Egy motivált csapat tagja lehettem</a:t>
             </a:r>
           </a:p>
           <a:p>
             <a:r>
               <a:rPr lang="hu-HU" dirty="0" smtClean="0"/>
-              <a:t>Használt technológiák megvitatása</a:t>
+              <a:t>Különböző fejlesztési módszerek ismerhettem meg</a:t>
             </a:r>
           </a:p>
           <a:p>
             <a:r>
               <a:rPr lang="hu-HU" dirty="0" smtClean="0"/>
-              <a:t>Hibajegyek</a:t>
+              <a:t>Maximalistább </a:t>
             </a:r>
             <a:r>
               <a:rPr lang="hu-HU" dirty="0" smtClean="0"/>
-              <a:t> </a:t>
+              <a:t>hozzá </a:t>
             </a:r>
             <a:r>
               <a:rPr lang="hu-HU" dirty="0" smtClean="0"/>
-              <a:t>felvétele</a:t>
-            </a:r>
-          </a:p>
-          <a:p>
+              <a:t>állás a saját </a:t>
+            </a:r>
             <a:r>
               <a:rPr lang="hu-HU" dirty="0" smtClean="0"/>
-              <a:t>Statisztikák </a:t>
-            </a:r>
+              <a:t>munkámhoz</a:t>
+            </a:r>
+          </a:p>
+          <a:p>
             <a:r>
               <a:rPr lang="hu-HU" dirty="0" smtClean="0"/>
-              <a:t>megjelenítése</a:t>
-            </a:r>
-            <a:endParaRPr lang="hu-HU" dirty="0"/>
-          </a:p>
-        </p:txBody>
-      </p:sp>
-      <p:sp>
-        <p:nvSpPr>
-          <p:cNvPr id="4" name="Cím 1"/>
+              <a:t>Számos új</a:t>
+            </a:r>
+            <a:r>
+              <a:rPr lang="hu-HU" dirty="0" smtClean="0"/>
+              <a:t> technológi</a:t>
+            </a:r>
+            <a:r>
+              <a:rPr lang="hu-HU" dirty="0" smtClean="0"/>
+              <a:t>a megismerése</a:t>
+            </a:r>
+            <a:endParaRPr lang="hu-HU" dirty="0" smtClean="0"/>
+          </a:p>
+        </p:txBody>
+      </p:sp>
+      <p:pic>
+        <p:nvPicPr>
+          <p:cNvPr id="7" name="Kép 6"/>
+          <p:cNvPicPr>
+            <a:picLocks noChangeAspect="1"/>
+          </p:cNvPicPr>
+          <p:nvPr/>
+        </p:nvPicPr>
+        <p:blipFill>
+          <a:blip r:embed="rId5" cstate="print">
+            <a:extLst>
+              <a:ext uri="{28A0092B-C50C-407E-A947-70E740481C1C}">
+                <a14:useLocalDpi xmlns:a14="http://schemas.microsoft.com/office/drawing/2010/main" xmlns="" val="0"/>
+              </a:ext>
+            </a:extLst>
+          </a:blip>
+          <a:stretch>
+            <a:fillRect/>
+          </a:stretch>
+        </p:blipFill>
+        <p:spPr>
+          <a:xfrm>
+            <a:off x="4112433" y="3795408"/>
+            <a:ext cx="1786195" cy="986045"/>
+          </a:xfrm>
+          <a:prstGeom prst="rect">
+            <a:avLst/>
+          </a:prstGeom>
+        </p:spPr>
+      </p:pic>
+      <p:pic>
+        <p:nvPicPr>
+          <p:cNvPr id="8" name="Kép 7"/>
+          <p:cNvPicPr>
+            <a:picLocks noChangeAspect="1"/>
+          </p:cNvPicPr>
+          <p:nvPr/>
+        </p:nvPicPr>
+        <p:blipFill>
+          <a:blip r:embed="rId6"/>
+          <a:stretch>
+            <a:fillRect/>
+          </a:stretch>
+        </p:blipFill>
+        <p:spPr>
+          <a:xfrm>
+            <a:off x="7397738" y="3595073"/>
+            <a:ext cx="1512779" cy="1136585"/>
+          </a:xfrm>
+          <a:prstGeom prst="rect">
+            <a:avLst/>
+          </a:prstGeom>
+        </p:spPr>
+      </p:pic>
+      <p:sp>
+        <p:nvSpPr>
+          <p:cNvPr id="9" name="Cím 1"/>
           <p:cNvSpPr txBox="1">
             <a:spLocks/>
           </p:cNvSpPr>
@@ -5360,9 +5795,9 @@
                 <a:effectLst/>
                 <a:uLnTx/>
                 <a:uFillTx/>
-                <a:latin typeface="Algerian" pitchFamily="82" charset="0"/>
+                <a:latin typeface="+mn-lt"/>
                 <a:ea typeface="+mj-ea"/>
-                <a:cs typeface="+mj-cs"/>
+                <a:cs typeface="Arial" pitchFamily="34" charset="0"/>
               </a:rPr>
               <a:t>Helpdesk</a:t>
             </a:r>
@@ -5376,13 +5811,61 @@
               <a:effectLst/>
               <a:uLnTx/>
               <a:uFillTx/>
-              <a:latin typeface="Algerian" pitchFamily="82" charset="0"/>
+              <a:latin typeface="+mn-lt"/>
               <a:ea typeface="+mj-ea"/>
-              <a:cs typeface="+mj-cs"/>
+              <a:cs typeface="Arial" pitchFamily="34" charset="0"/>
             </a:endParaRPr>
           </a:p>
         </p:txBody>
       </p:sp>
+      <p:pic>
+        <p:nvPicPr>
+          <p:cNvPr id="12" name="Kép 11" descr="primefaces (1).png"/>
+          <p:cNvPicPr>
+            <a:picLocks noChangeAspect="1"/>
+          </p:cNvPicPr>
+          <p:nvPr/>
+        </p:nvPicPr>
+        <p:blipFill>
+          <a:blip r:embed="rId7"/>
+          <a:stretch>
+            <a:fillRect/>
+          </a:stretch>
+        </p:blipFill>
+        <p:spPr>
+          <a:xfrm>
+            <a:off x="0" y="3496287"/>
+            <a:ext cx="1647213" cy="1647213"/>
+          </a:xfrm>
+          <a:prstGeom prst="rect">
+            <a:avLst/>
+          </a:prstGeom>
+        </p:spPr>
+      </p:pic>
+      <p:pic>
+        <p:nvPicPr>
+          <p:cNvPr id="14" name="Kép 13" descr="ejb-mini-logo.png"/>
+          <p:cNvPicPr>
+            <a:picLocks noChangeAspect="1"/>
+          </p:cNvPicPr>
+          <p:nvPr/>
+        </p:nvPicPr>
+        <p:blipFill>
+          <a:blip r:embed="rId8" cstate="print"/>
+          <a:stretch>
+            <a:fillRect/>
+          </a:stretch>
+        </p:blipFill>
+        <p:spPr>
+          <a:xfrm>
+            <a:off x="1698172" y="3688874"/>
+            <a:ext cx="778330" cy="1120796"/>
+          </a:xfrm>
+          <a:prstGeom prst="rect">
+            <a:avLst/>
+          </a:prstGeom>
+        </p:spPr>
+      </p:pic>
     </p:spTree>
   </p:cSld>
   <p:clrMapOvr>
@@ -5399,195 +5882,6 @@
 </file>
 
 <file path=ppt/slides/slide8.xml><?xml version="1.0" encoding="utf-8"?>
-<p:sld xmlns:a="http://schemas.openxmlformats.org/drawingml/2006/main" xmlns:r="http://schemas.openxmlformats.org/officeDocument/2006/relationships" xmlns:p="http://schemas.openxmlformats.org/presentationml/2006/main">
-  <p:cSld>
-    <p:spTree>
-      <p:nvGrpSpPr>
-        <p:cNvPr id="1" name=""/>
-        <p:cNvGrpSpPr/>
-        <p:nvPr/>
-      </p:nvGrpSpPr>
-      <p:grpSpPr>
-        <a:xfrm>
-          <a:off x="0" y="0"/>
-          <a:ext cx="0" cy="0"/>
-          <a:chOff x="0" y="0"/>
-          <a:chExt cx="0" cy="0"/>
-        </a:xfrm>
-      </p:grpSpPr>
-      <p:sp>
-        <p:nvSpPr>
-          <p:cNvPr id="2" name="Cím 1"/>
-          <p:cNvSpPr>
-            <a:spLocks noGrp="1"/>
-          </p:cNvSpPr>
-          <p:nvPr>
-            <p:ph type="title"/>
-          </p:nvPr>
-        </p:nvSpPr>
-        <p:spPr>
-          <a:xfrm>
-            <a:off x="563336" y="714716"/>
-            <a:ext cx="7886700" cy="994172"/>
-          </a:xfrm>
-        </p:spPr>
-        <p:txBody>
-          <a:bodyPr/>
-          <a:lstStyle/>
-          <a:p>
-            <a:r>
-              <a:rPr lang="hu-HU" b="1" dirty="0" smtClean="0"/>
-              <a:t>Am</a:t>
-            </a:r>
-            <a:r>
-              <a:rPr lang="hu-HU" b="1" dirty="0" smtClean="0"/>
-              <a:t>it a képzéstől kaptam:</a:t>
-            </a:r>
-            <a:endParaRPr lang="hu-HU" b="1" dirty="0"/>
-          </a:p>
-        </p:txBody>
-      </p:sp>
-      <p:sp>
-        <p:nvSpPr>
-          <p:cNvPr id="3" name="Tartalom helye 2"/>
-          <p:cNvSpPr>
-            <a:spLocks noGrp="1"/>
-          </p:cNvSpPr>
-          <p:nvPr>
-            <p:ph idx="1"/>
-          </p:nvPr>
-        </p:nvSpPr>
-        <p:spPr>
-          <a:xfrm>
-            <a:off x="918936" y="1768929"/>
-            <a:ext cx="7886700" cy="2689622"/>
-          </a:xfrm>
-        </p:spPr>
-        <p:txBody>
-          <a:bodyPr/>
-          <a:lstStyle/>
-          <a:p>
-            <a:r>
-              <a:rPr lang="hu-HU" dirty="0" smtClean="0"/>
-              <a:t>Egy motivált csapat tagja lehettem</a:t>
-            </a:r>
-          </a:p>
-          <a:p>
-            <a:r>
-              <a:rPr lang="hu-HU" dirty="0" smtClean="0"/>
-              <a:t>Különböző fejlesztési módszerek ismerhettem meg</a:t>
-            </a:r>
-          </a:p>
-          <a:p>
-            <a:r>
-              <a:rPr lang="hu-HU" dirty="0" smtClean="0"/>
-              <a:t>Maximalistább </a:t>
-            </a:r>
-            <a:r>
-              <a:rPr lang="hu-HU" dirty="0" smtClean="0"/>
-              <a:t>hozzá </a:t>
-            </a:r>
-            <a:r>
-              <a:rPr lang="hu-HU" dirty="0" smtClean="0"/>
-              <a:t>állás a saját munkámhoz </a:t>
-            </a:r>
-            <a:endParaRPr lang="hu-HU" dirty="0"/>
-          </a:p>
-          <a:p>
-            <a:endParaRPr lang="hu-HU" dirty="0" smtClean="0"/>
-          </a:p>
-        </p:txBody>
-      </p:sp>
-      <p:sp>
-        <p:nvSpPr>
-          <p:cNvPr id="4" name="Cím 1"/>
-          <p:cNvSpPr txBox="1">
-            <a:spLocks/>
-          </p:cNvSpPr>
-          <p:nvPr/>
-        </p:nvSpPr>
-        <p:spPr>
-          <a:xfrm rot="20544073">
-            <a:off x="7446477" y="186009"/>
-            <a:ext cx="1548465" cy="417968"/>
-          </a:xfrm>
-          <a:prstGeom prst="rect">
-            <a:avLst/>
-          </a:prstGeom>
-        </p:spPr>
-        <p:txBody>
-          <a:bodyPr vert="horz" lIns="91440" tIns="45720" rIns="91440" bIns="45720" rtlCol="0" anchor="b">
-            <a:normAutofit/>
-          </a:bodyPr>
-          <a:lstStyle/>
-          <a:p>
-            <a:pPr marL="0" marR="0" lvl="0" indent="0" algn="ctr" defTabSz="914400" rtl="0" eaLnBrk="1" fontAlgn="auto" latinLnBrk="0" hangingPunct="1">
-              <a:lnSpc>
-                <a:spcPct val="90000"/>
-              </a:lnSpc>
-              <a:spcBef>
-                <a:spcPct val="0"/>
-              </a:spcBef>
-              <a:spcAft>
-                <a:spcPts val="0"/>
-              </a:spcAft>
-              <a:buClrTx/>
-              <a:buSzTx/>
-              <a:buFontTx/>
-              <a:buNone/>
-              <a:tabLst/>
-              <a:defRPr/>
-            </a:pPr>
-            <a:r>
-              <a:rPr kumimoji="0" lang="hu-HU" sz="2000" b="0" i="0" u="none" strike="noStrike" kern="1200" cap="none" spc="0" normalizeH="0" baseline="0" noProof="0" dirty="0" err="1" smtClean="0">
-                <a:ln>
-                  <a:noFill/>
-                </a:ln>
-                <a:solidFill>
-                  <a:schemeClr val="tx1"/>
-                </a:solidFill>
-                <a:effectLst/>
-                <a:uLnTx/>
-                <a:uFillTx/>
-                <a:latin typeface="Arial" pitchFamily="34" charset="0"/>
-                <a:ea typeface="+mj-ea"/>
-                <a:cs typeface="Arial" pitchFamily="34" charset="0"/>
-              </a:rPr>
-              <a:t>Helpdesk</a:t>
-            </a:r>
-            <a:endParaRPr kumimoji="0" lang="hu-HU" sz="2000" b="0" i="0" u="none" strike="noStrike" kern="1200" cap="none" spc="0" normalizeH="0" baseline="0" noProof="0" dirty="0">
-              <a:ln>
-                <a:noFill/>
-              </a:ln>
-              <a:solidFill>
-                <a:schemeClr val="tx1"/>
-              </a:solidFill>
-              <a:effectLst/>
-              <a:uLnTx/>
-              <a:uFillTx/>
-              <a:latin typeface="Arial" pitchFamily="34" charset="0"/>
-              <a:ea typeface="+mj-ea"/>
-              <a:cs typeface="Arial" pitchFamily="34" charset="0"/>
-            </a:endParaRPr>
-          </a:p>
-        </p:txBody>
-      </p:sp>
-    </p:spTree>
-  </p:cSld>
-  <p:clrMapOvr>
-    <a:masterClrMapping/>
-  </p:clrMapOvr>
-  <p:timing>
-    <p:tnLst>
-      <p:par>
-        <p:cTn id="1" dur="indefinite" restart="never" nodeType="tmRoot"/>
-      </p:par>
-    </p:tnLst>
-  </p:timing>
-</p:sld>
-</file>
-
-<file path=ppt/slides/slide9.xml><?xml version="1.0" encoding="utf-8"?>
 <p:sld xmlns:a="http://schemas.openxmlformats.org/drawingml/2006/main" xmlns:r="http://schemas.openxmlformats.org/officeDocument/2006/relationships" xmlns:p="http://schemas.openxmlformats.org/presentationml/2006/main">
   <p:cSld>
     <p:bg>

--- a/presentation/Helpdesk/Tóth László/toth_laszlo.pptx
+++ b/presentation/Helpdesk/Tóth László/toth_laszlo.pptx
@@ -712,6 +712,44 @@
           </a:bodyPr>
           <a:lstStyle/>
           <a:p>
+            <a:r>
+              <a:rPr lang="hu-HU" baseline="0" dirty="0" err="1" smtClean="0"/>
+              <a:t>-tényleg</a:t>
+            </a:r>
+            <a:r>
+              <a:rPr lang="hu-HU" baseline="0" dirty="0" smtClean="0"/>
+              <a:t> szorosan </a:t>
+            </a:r>
+            <a:r>
+              <a:rPr lang="hu-HU" baseline="0" dirty="0" err="1" smtClean="0"/>
+              <a:t>eggyüttműködő</a:t>
+            </a:r>
+            <a:r>
+              <a:rPr lang="hu-HU" baseline="0" dirty="0" smtClean="0"/>
+              <a:t> csapat</a:t>
+            </a:r>
+          </a:p>
+          <a:p>
+            <a:r>
+              <a:rPr lang="hu-HU" baseline="0" dirty="0" err="1" smtClean="0"/>
+              <a:t>-más</a:t>
+            </a:r>
+            <a:r>
+              <a:rPr lang="hu-HU" baseline="0" dirty="0" smtClean="0"/>
+              <a:t> kódjával való munka</a:t>
+            </a:r>
+          </a:p>
+          <a:p>
+            <a:r>
+              <a:rPr lang="hu-HU" baseline="0" dirty="0" err="1" smtClean="0"/>
+              <a:t>-kihívások</a:t>
+            </a:r>
+            <a:r>
+              <a:rPr lang="hu-HU" baseline="0" dirty="0" smtClean="0"/>
+              <a:t> szintje is emelkedett</a:t>
+            </a:r>
+          </a:p>
+          <a:p>
             <a:endParaRPr lang="hu-HU" baseline="0" dirty="0" smtClean="0"/>
           </a:p>
         </p:txBody>
@@ -985,7 +1023,7 @@
             <a:fld id="{37F5BA7A-53FA-4B64-BA9D-1AFB6F476CB1}" type="slidenum">
               <a:rPr lang="hu-HU" smtClean="0"/>
               <a:pPr/>
-              <a:t>7</a:t>
+              <a:t>6</a:t>
             </a:fld>
             <a:endParaRPr lang="hu-HU"/>
           </a:p>
@@ -1000,6 +1038,102 @@
 </file>
 
 <file path=ppt/notesSlides/notesSlide7.xml><?xml version="1.0" encoding="utf-8"?>
+<p:notes xmlns:a="http://schemas.openxmlformats.org/drawingml/2006/main" xmlns:r="http://schemas.openxmlformats.org/officeDocument/2006/relationships" xmlns:p="http://schemas.openxmlformats.org/presentationml/2006/main">
+  <p:cSld>
+    <p:spTree>
+      <p:nvGrpSpPr>
+        <p:cNvPr id="1" name=""/>
+        <p:cNvGrpSpPr/>
+        <p:nvPr/>
+      </p:nvGrpSpPr>
+      <p:grpSpPr>
+        <a:xfrm>
+          <a:off x="0" y="0"/>
+          <a:ext cx="0" cy="0"/>
+          <a:chOff x="0" y="0"/>
+          <a:chExt cx="0" cy="0"/>
+        </a:xfrm>
+      </p:grpSpPr>
+      <p:sp>
+        <p:nvSpPr>
+          <p:cNvPr id="2" name="Diakép helye 1"/>
+          <p:cNvSpPr>
+            <a:spLocks noGrp="1" noRot="1" noChangeAspect="1"/>
+          </p:cNvSpPr>
+          <p:nvPr>
+            <p:ph type="sldImg"/>
+          </p:nvPr>
+        </p:nvSpPr>
+        <p:spPr/>
+      </p:sp>
+      <p:sp>
+        <p:nvSpPr>
+          <p:cNvPr id="3" name="Jegyzetek helye 2"/>
+          <p:cNvSpPr>
+            <a:spLocks noGrp="1"/>
+          </p:cNvSpPr>
+          <p:nvPr>
+            <p:ph type="body" idx="1"/>
+          </p:nvPr>
+        </p:nvSpPr>
+        <p:spPr/>
+        <p:txBody>
+          <a:bodyPr>
+            <a:normAutofit/>
+          </a:bodyPr>
+          <a:lstStyle/>
+          <a:p>
+            <a:r>
+              <a:rPr lang="hu-HU" dirty="0" smtClean="0"/>
+              <a:t>Kó</a:t>
+            </a:r>
+            <a:r>
+              <a:rPr lang="hu-HU" baseline="0" dirty="0" smtClean="0"/>
+              <a:t>d </a:t>
+            </a:r>
+            <a:r>
+              <a:rPr lang="hu-HU" baseline="0" smtClean="0"/>
+              <a:t>analizáló szoftverek</a:t>
+            </a:r>
+          </a:p>
+          <a:p>
+            <a:endParaRPr lang="hu-HU" dirty="0"/>
+          </a:p>
+        </p:txBody>
+      </p:sp>
+      <p:sp>
+        <p:nvSpPr>
+          <p:cNvPr id="4" name="Dia számának helye 3"/>
+          <p:cNvSpPr>
+            <a:spLocks noGrp="1"/>
+          </p:cNvSpPr>
+          <p:nvPr>
+            <p:ph type="sldNum" sz="quarter" idx="10"/>
+          </p:nvPr>
+        </p:nvSpPr>
+        <p:spPr/>
+        <p:txBody>
+          <a:bodyPr/>
+          <a:lstStyle/>
+          <a:p>
+            <a:fld id="{37F5BA7A-53FA-4B64-BA9D-1AFB6F476CB1}" type="slidenum">
+              <a:rPr lang="hu-HU" smtClean="0"/>
+              <a:pPr/>
+              <a:t>7</a:t>
+            </a:fld>
+            <a:endParaRPr lang="hu-HU"/>
+          </a:p>
+        </p:txBody>
+      </p:sp>
+    </p:spTree>
+  </p:cSld>
+  <p:clrMapOvr>
+    <a:masterClrMapping/>
+  </p:clrMapOvr>
+</p:notes>
+</file>
+
+<file path=ppt/notesSlides/notesSlide8.xml><?xml version="1.0" encoding="utf-8"?>
 <p:notes xmlns:a="http://schemas.openxmlformats.org/drawingml/2006/main" xmlns:r="http://schemas.openxmlformats.org/officeDocument/2006/relationships" xmlns:p="http://schemas.openxmlformats.org/presentationml/2006/main">
   <p:cSld>
     <p:spTree>
@@ -4250,8 +4384,13 @@
             </a:pPr>
             <a:r>
               <a:rPr lang="hu-HU" sz="2800" dirty="0" smtClean="0"/>
-              <a:t>Gyakorlati  tudás </a:t>
-            </a:r>
+              <a:t>Gyakorlati  </a:t>
+            </a:r>
+            <a:r>
+              <a:rPr lang="hu-HU" sz="2800" dirty="0" smtClean="0"/>
+              <a:t>tudás </a:t>
+            </a:r>
+            <a:endParaRPr lang="hu-HU" sz="2800" dirty="0" smtClean="0"/>
           </a:p>
           <a:p>
             <a:pPr algn="just">
@@ -4506,15 +4645,11 @@
             </a:pPr>
             <a:r>
               <a:rPr lang="hu-HU" sz="2800" dirty="0" smtClean="0"/>
-              <a:t>Entitások </a:t>
-            </a:r>
-            <a:r>
-              <a:rPr lang="hu-HU" sz="2800" dirty="0" smtClean="0"/>
-              <a:t>és </a:t>
+              <a:t>Entitás és </a:t>
             </a:r>
             <a:r>
               <a:rPr lang="hu-HU" sz="2800" dirty="0" err="1" smtClean="0"/>
-              <a:t>repositorik</a:t>
+              <a:t>repository</a:t>
             </a:r>
             <a:endParaRPr lang="hu-HU" sz="2800" dirty="0" smtClean="0"/>
           </a:p>
@@ -4886,8 +5021,13 @@
             </a:pPr>
             <a:r>
               <a:rPr lang="hu-HU" sz="2800" dirty="0" smtClean="0"/>
-              <a:t>Különböző szintű  események</a:t>
-            </a:r>
+              <a:t>Különböző szintű </a:t>
+            </a:r>
+            <a:r>
+              <a:rPr lang="hu-HU" sz="2800" dirty="0" smtClean="0"/>
+              <a:t>események</a:t>
+            </a:r>
+            <a:endParaRPr lang="hu-HU" sz="2800" dirty="0" smtClean="0"/>
           </a:p>
           <a:p>
             <a:pPr>
@@ -5288,112 +5428,6 @@
           <a:chExt cx="0" cy="0"/>
         </a:xfrm>
       </p:grpSpPr>
-      <p:sp>
-        <p:nvSpPr>
-          <p:cNvPr id="2" name="Cím 1"/>
-          <p:cNvSpPr>
-            <a:spLocks noGrp="1"/>
-          </p:cNvSpPr>
-          <p:nvPr>
-            <p:ph type="title"/>
-          </p:nvPr>
-        </p:nvSpPr>
-        <p:spPr>
-          <a:xfrm>
-            <a:off x="385535" y="997856"/>
-            <a:ext cx="7886700" cy="598546"/>
-          </a:xfrm>
-        </p:spPr>
-        <p:txBody>
-          <a:bodyPr>
-            <a:normAutofit fontScale="90000"/>
-          </a:bodyPr>
-          <a:lstStyle/>
-          <a:p>
-            <a:r>
-              <a:rPr lang="hu-HU" b="1" dirty="0" err="1" smtClean="0">
-                <a:latin typeface="+mn-lt"/>
-              </a:rPr>
-              <a:t>Issuetracker</a:t>
-            </a:r>
-            <a:r>
-              <a:rPr lang="hu-HU" b="1" dirty="0" smtClean="0">
-                <a:latin typeface="+mn-lt"/>
-              </a:rPr>
-              <a:t> </a:t>
-            </a:r>
-            <a:r>
-              <a:rPr lang="hu-HU" b="1" dirty="0" smtClean="0">
-                <a:latin typeface="+mn-lt"/>
-              </a:rPr>
-              <a:t>integráció</a:t>
-            </a:r>
-            <a:endParaRPr lang="hu-HU" b="1" dirty="0">
-              <a:latin typeface="+mn-lt"/>
-            </a:endParaRPr>
-          </a:p>
-        </p:txBody>
-      </p:sp>
-      <p:sp>
-        <p:nvSpPr>
-          <p:cNvPr id="3" name="Tartalom helye 2"/>
-          <p:cNvSpPr>
-            <a:spLocks noGrp="1"/>
-          </p:cNvSpPr>
-          <p:nvPr>
-            <p:ph idx="1"/>
-          </p:nvPr>
-        </p:nvSpPr>
-        <p:spPr>
-          <a:xfrm>
-            <a:off x="923471" y="1888670"/>
-            <a:ext cx="7886700" cy="2656966"/>
-          </a:xfrm>
-        </p:spPr>
-        <p:txBody>
-          <a:bodyPr>
-            <a:normAutofit/>
-          </a:bodyPr>
-          <a:lstStyle/>
-          <a:p>
-            <a:r>
-              <a:rPr lang="hu-HU" dirty="0" smtClean="0"/>
-              <a:t>Folyamatos kapcsolat tartás</a:t>
-            </a:r>
-          </a:p>
-          <a:p>
-            <a:r>
-              <a:rPr lang="hu-HU" dirty="0" smtClean="0"/>
-              <a:t>Használt technológiák megvitatása</a:t>
-            </a:r>
-          </a:p>
-          <a:p>
-            <a:r>
-              <a:rPr lang="hu-HU" dirty="0" smtClean="0"/>
-              <a:t>Hibajegyek</a:t>
-            </a:r>
-            <a:r>
-              <a:rPr lang="hu-HU" dirty="0" smtClean="0"/>
-              <a:t> </a:t>
-            </a:r>
-            <a:r>
-              <a:rPr lang="hu-HU" dirty="0" smtClean="0"/>
-              <a:t>felvétele</a:t>
-            </a:r>
-          </a:p>
-          <a:p>
-            <a:r>
-              <a:rPr lang="hu-HU" dirty="0" smtClean="0"/>
-              <a:t>Statisztikák </a:t>
-            </a:r>
-            <a:r>
-              <a:rPr lang="hu-HU" dirty="0" smtClean="0"/>
-              <a:t>megjelenítése</a:t>
-            </a:r>
-            <a:endParaRPr lang="hu-HU" dirty="0"/>
-          </a:p>
-        </p:txBody>
-      </p:sp>
       <p:pic>
         <p:nvPicPr>
           <p:cNvPr id="5" name="Kép 4" descr="collaboration.jpg"/>
@@ -5403,7 +5437,7 @@
           <p:nvPr/>
         </p:nvPicPr>
         <p:blipFill>
-          <a:blip r:embed="rId2"/>
+          <a:blip r:embed="rId3"/>
           <a:stretch>
             <a:fillRect/>
           </a:stretch>
@@ -5418,6 +5452,117 @@
           </a:prstGeom>
         </p:spPr>
       </p:pic>
+      <p:sp>
+        <p:nvSpPr>
+          <p:cNvPr id="2" name="Cím 1"/>
+          <p:cNvSpPr>
+            <a:spLocks noGrp="1"/>
+          </p:cNvSpPr>
+          <p:nvPr>
+            <p:ph type="title"/>
+          </p:nvPr>
+        </p:nvSpPr>
+        <p:spPr>
+          <a:xfrm>
+            <a:off x="385535" y="997856"/>
+            <a:ext cx="7886700" cy="598546"/>
+          </a:xfrm>
+        </p:spPr>
+        <p:txBody>
+          <a:bodyPr>
+            <a:normAutofit fontScale="90000"/>
+          </a:bodyPr>
+          <a:lstStyle/>
+          <a:p>
+            <a:r>
+              <a:rPr lang="hu-HU" b="1" dirty="0" err="1" smtClean="0">
+                <a:latin typeface="+mn-lt"/>
+              </a:rPr>
+              <a:t>Issuetracker</a:t>
+            </a:r>
+            <a:r>
+              <a:rPr lang="hu-HU" b="1" dirty="0" smtClean="0">
+                <a:latin typeface="+mn-lt"/>
+              </a:rPr>
+              <a:t> </a:t>
+            </a:r>
+            <a:r>
+              <a:rPr lang="hu-HU" b="1" dirty="0" smtClean="0">
+                <a:latin typeface="+mn-lt"/>
+              </a:rPr>
+              <a:t>integráció</a:t>
+            </a:r>
+            <a:endParaRPr lang="hu-HU" b="1" dirty="0">
+              <a:latin typeface="+mn-lt"/>
+            </a:endParaRPr>
+          </a:p>
+        </p:txBody>
+      </p:sp>
+      <p:sp>
+        <p:nvSpPr>
+          <p:cNvPr id="3" name="Tartalom helye 2"/>
+          <p:cNvSpPr>
+            <a:spLocks noGrp="1"/>
+          </p:cNvSpPr>
+          <p:nvPr>
+            <p:ph idx="1"/>
+          </p:nvPr>
+        </p:nvSpPr>
+        <p:spPr>
+          <a:xfrm>
+            <a:off x="923471" y="1888670"/>
+            <a:ext cx="7886700" cy="2656966"/>
+          </a:xfrm>
+        </p:spPr>
+        <p:txBody>
+          <a:bodyPr>
+            <a:normAutofit/>
+          </a:bodyPr>
+          <a:lstStyle/>
+          <a:p>
+            <a:r>
+              <a:rPr lang="hu-HU" dirty="0" smtClean="0"/>
+              <a:t>Folyamatos </a:t>
+            </a:r>
+            <a:r>
+              <a:rPr lang="hu-HU" dirty="0" smtClean="0"/>
+              <a:t>kapcsolattartás</a:t>
+            </a:r>
+            <a:endParaRPr lang="hu-HU" dirty="0" smtClean="0"/>
+          </a:p>
+          <a:p>
+            <a:r>
+              <a:rPr lang="hu-HU" dirty="0" smtClean="0"/>
+              <a:t>Használt technológiák megvitatása</a:t>
+            </a:r>
+          </a:p>
+          <a:p>
+            <a:r>
+              <a:rPr lang="hu-HU" dirty="0" smtClean="0"/>
+              <a:t>Hibajegyek</a:t>
+            </a:r>
+            <a:r>
+              <a:rPr lang="hu-HU" dirty="0" smtClean="0"/>
+              <a:t> </a:t>
+            </a:r>
+            <a:r>
+              <a:rPr lang="hu-HU" dirty="0" smtClean="0"/>
+              <a:t>felvétele</a:t>
+            </a:r>
+          </a:p>
+          <a:p>
+            <a:r>
+              <a:rPr lang="hu-HU" dirty="0" smtClean="0"/>
+              <a:t>Statisztikák </a:t>
+            </a:r>
+            <a:r>
+              <a:rPr lang="hu-HU" dirty="0" smtClean="0"/>
+              <a:t>megjelenítése</a:t>
+            </a:r>
+            <a:endParaRPr lang="hu-HU" dirty="0"/>
+          </a:p>
+        </p:txBody>
+      </p:sp>
       <p:sp>
         <p:nvSpPr>
           <p:cNvPr id="6" name="Cím 1"/>
@@ -5652,7 +5797,15 @@
           <a:p>
             <a:r>
               <a:rPr lang="hu-HU" dirty="0" smtClean="0"/>
-              <a:t>Különböző fejlesztési módszerek ismerhettem meg</a:t>
+              <a:t>Különböző fejlesztési </a:t>
+            </a:r>
+            <a:r>
+              <a:rPr lang="hu-HU" dirty="0" smtClean="0"/>
+              <a:t>módszerek ismertem </a:t>
+            </a:r>
+            <a:r>
+              <a:rPr lang="hu-HU" dirty="0" smtClean="0"/>
+              <a:t>meg</a:t>
             </a:r>
           </a:p>
           <a:p>
@@ -5662,11 +5815,11 @@
             </a:r>
             <a:r>
               <a:rPr lang="hu-HU" dirty="0" smtClean="0"/>
-              <a:t>hozzá </a:t>
+              <a:t>hozzáállás </a:t>
             </a:r>
             <a:r>
               <a:rPr lang="hu-HU" dirty="0" smtClean="0"/>
-              <a:t>állás a saját </a:t>
+              <a:t>a saját </a:t>
             </a:r>
             <a:r>
               <a:rPr lang="hu-HU" dirty="0" smtClean="0"/>
